--- a/src/main/java/com/ybj/cbt/Learn/Java8Feature/java8特性.pptx
+++ b/src/main/java/com/ybj/cbt/Learn/Java8Feature/java8特性.pptx
@@ -5,30 +5,30 @@
     <p:sldMasterId id="2147483648" r:id="rId1"/>
   </p:sldMasterIdLst>
   <p:sldIdLst>
-    <p:sldId id="256" r:id="rId2"/>
-    <p:sldId id="257" r:id="rId3"/>
-    <p:sldId id="259" r:id="rId4"/>
-    <p:sldId id="273" r:id="rId5"/>
-    <p:sldId id="275" r:id="rId6"/>
-    <p:sldId id="276" r:id="rId7"/>
-    <p:sldId id="277" r:id="rId8"/>
-    <p:sldId id="278" r:id="rId9"/>
-    <p:sldId id="269" r:id="rId10"/>
-    <p:sldId id="274" r:id="rId11"/>
-    <p:sldId id="279" r:id="rId12"/>
-    <p:sldId id="280" r:id="rId13"/>
-    <p:sldId id="281" r:id="rId14"/>
-    <p:sldId id="282" r:id="rId15"/>
-    <p:sldId id="284" r:id="rId16"/>
-    <p:sldId id="285" r:id="rId17"/>
-    <p:sldId id="265" r:id="rId18"/>
-    <p:sldId id="270" r:id="rId19"/>
-    <p:sldId id="271" r:id="rId20"/>
-    <p:sldId id="286" r:id="rId21"/>
-    <p:sldId id="287" r:id="rId22"/>
-    <p:sldId id="272" r:id="rId23"/>
-    <p:sldId id="258" r:id="rId24"/>
-    <p:sldId id="288" r:id="rId25"/>
+    <p:sldId id="256" r:id="rId3"/>
+    <p:sldId id="257" r:id="rId4"/>
+    <p:sldId id="259" r:id="rId5"/>
+    <p:sldId id="273" r:id="rId6"/>
+    <p:sldId id="275" r:id="rId7"/>
+    <p:sldId id="276" r:id="rId8"/>
+    <p:sldId id="277" r:id="rId9"/>
+    <p:sldId id="278" r:id="rId10"/>
+    <p:sldId id="269" r:id="rId11"/>
+    <p:sldId id="274" r:id="rId12"/>
+    <p:sldId id="279" r:id="rId13"/>
+    <p:sldId id="280" r:id="rId14"/>
+    <p:sldId id="281" r:id="rId15"/>
+    <p:sldId id="282" r:id="rId16"/>
+    <p:sldId id="284" r:id="rId17"/>
+    <p:sldId id="285" r:id="rId18"/>
+    <p:sldId id="265" r:id="rId19"/>
+    <p:sldId id="270" r:id="rId20"/>
+    <p:sldId id="271" r:id="rId21"/>
+    <p:sldId id="286" r:id="rId22"/>
+    <p:sldId id="287" r:id="rId23"/>
+    <p:sldId id="272" r:id="rId24"/>
+    <p:sldId id="258" r:id="rId25"/>
+    <p:sldId id="288" r:id="rId26"/>
   </p:sldIdLst>
   <p:sldSz cx="12192000" cy="6858000"/>
   <p:notesSz cx="6858000" cy="9144000"/>
@@ -127,11 +127,6 @@
       </a:defRPr>
     </a:lvl9pPr>
   </p:defaultTextStyle>
-  <p:extLst>
-    <p:ext uri="{EFAFB233-063F-42B5-8137-9DF3F51BA10A}">
-      <p15:sldGuideLst xmlns:p15="http://schemas.microsoft.com/office/powerpoint/2012/main"/>
-    </p:ext>
-  </p:extLst>
 </p:presentation>
 </file>
 
@@ -180,6 +175,7 @@
               <a:rPr lang="zh-CN" altLang="en-US"/>
               <a:t>单击此处编辑母版标题样式</a:t>
             </a:r>
+            <a:endParaRPr lang="zh-CN" altLang="en-US"/>
           </a:p>
         </p:txBody>
       </p:sp>
@@ -244,6 +240,7 @@
               <a:rPr lang="zh-CN" altLang="en-US"/>
               <a:t>单击此处编辑母版副标题样式</a:t>
             </a:r>
+            <a:endParaRPr lang="zh-CN" altLang="en-US"/>
           </a:p>
         </p:txBody>
       </p:sp>
@@ -264,7 +261,6 @@
           <a:p>
             <a:fld id="{D997B5FA-0921-464F-AAE1-844C04324D75}" type="datetimeFigureOut">
               <a:rPr lang="zh-CN" altLang="en-US" smtClean="0"/>
-              <a:t>2019/12/31</a:t>
             </a:fld>
             <a:endParaRPr lang="zh-CN" altLang="en-US"/>
           </a:p>
@@ -306,7 +302,6 @@
           <a:p>
             <a:fld id="{565CE74E-AB26-4998-AD42-012C4C1AD076}" type="slidenum">
               <a:rPr lang="zh-CN" altLang="en-US" smtClean="0"/>
-              <a:t>‹#›</a:t>
             </a:fld>
             <a:endParaRPr lang="zh-CN" altLang="en-US"/>
           </a:p>
@@ -356,6 +351,7 @@
               <a:rPr lang="zh-CN" altLang="en-US"/>
               <a:t>单击此处编辑母版标题样式</a:t>
             </a:r>
+            <a:endParaRPr lang="zh-CN" altLang="en-US"/>
           </a:p>
         </p:txBody>
       </p:sp>
@@ -379,6 +375,7 @@
               <a:rPr lang="zh-CN" altLang="en-US"/>
               <a:t>单击此处编辑母版文本样式</a:t>
             </a:r>
+            <a:endParaRPr lang="zh-CN" altLang="en-US"/>
           </a:p>
           <a:p>
             <a:pPr lvl="1"/>
@@ -386,6 +383,7 @@
               <a:rPr lang="zh-CN" altLang="en-US"/>
               <a:t>第二级</a:t>
             </a:r>
+            <a:endParaRPr lang="zh-CN" altLang="en-US"/>
           </a:p>
           <a:p>
             <a:pPr lvl="2"/>
@@ -393,6 +391,7 @@
               <a:rPr lang="zh-CN" altLang="en-US"/>
               <a:t>第三级</a:t>
             </a:r>
+            <a:endParaRPr lang="zh-CN" altLang="en-US"/>
           </a:p>
           <a:p>
             <a:pPr lvl="3"/>
@@ -400,6 +399,7 @@
               <a:rPr lang="zh-CN" altLang="en-US"/>
               <a:t>第四级</a:t>
             </a:r>
+            <a:endParaRPr lang="zh-CN" altLang="en-US"/>
           </a:p>
           <a:p>
             <a:pPr lvl="4"/>
@@ -407,6 +407,7 @@
               <a:rPr lang="zh-CN" altLang="en-US"/>
               <a:t>第五级</a:t>
             </a:r>
+            <a:endParaRPr lang="zh-CN" altLang="en-US"/>
           </a:p>
         </p:txBody>
       </p:sp>
@@ -427,7 +428,6 @@
           <a:p>
             <a:fld id="{D997B5FA-0921-464F-AAE1-844C04324D75}" type="datetimeFigureOut">
               <a:rPr lang="zh-CN" altLang="en-US" smtClean="0"/>
-              <a:t>2019/12/31</a:t>
             </a:fld>
             <a:endParaRPr lang="zh-CN" altLang="en-US"/>
           </a:p>
@@ -469,7 +469,6 @@
           <a:p>
             <a:fld id="{565CE74E-AB26-4998-AD42-012C4C1AD076}" type="slidenum">
               <a:rPr lang="zh-CN" altLang="en-US" smtClean="0"/>
-              <a:t>‹#›</a:t>
             </a:fld>
             <a:endParaRPr lang="zh-CN" altLang="en-US"/>
           </a:p>
@@ -524,6 +523,7 @@
               <a:rPr lang="zh-CN" altLang="en-US"/>
               <a:t>单击此处编辑母版标题样式</a:t>
             </a:r>
+            <a:endParaRPr lang="zh-CN" altLang="en-US"/>
           </a:p>
         </p:txBody>
       </p:sp>
@@ -552,6 +552,7 @@
               <a:rPr lang="zh-CN" altLang="en-US"/>
               <a:t>单击此处编辑母版文本样式</a:t>
             </a:r>
+            <a:endParaRPr lang="zh-CN" altLang="en-US"/>
           </a:p>
           <a:p>
             <a:pPr lvl="1"/>
@@ -559,6 +560,7 @@
               <a:rPr lang="zh-CN" altLang="en-US"/>
               <a:t>第二级</a:t>
             </a:r>
+            <a:endParaRPr lang="zh-CN" altLang="en-US"/>
           </a:p>
           <a:p>
             <a:pPr lvl="2"/>
@@ -566,6 +568,7 @@
               <a:rPr lang="zh-CN" altLang="en-US"/>
               <a:t>第三级</a:t>
             </a:r>
+            <a:endParaRPr lang="zh-CN" altLang="en-US"/>
           </a:p>
           <a:p>
             <a:pPr lvl="3"/>
@@ -573,6 +576,7 @@
               <a:rPr lang="zh-CN" altLang="en-US"/>
               <a:t>第四级</a:t>
             </a:r>
+            <a:endParaRPr lang="zh-CN" altLang="en-US"/>
           </a:p>
           <a:p>
             <a:pPr lvl="4"/>
@@ -580,6 +584,7 @@
               <a:rPr lang="zh-CN" altLang="en-US"/>
               <a:t>第五级</a:t>
             </a:r>
+            <a:endParaRPr lang="zh-CN" altLang="en-US"/>
           </a:p>
         </p:txBody>
       </p:sp>
@@ -600,7 +605,6 @@
           <a:p>
             <a:fld id="{D997B5FA-0921-464F-AAE1-844C04324D75}" type="datetimeFigureOut">
               <a:rPr lang="zh-CN" altLang="en-US" smtClean="0"/>
-              <a:t>2019/12/31</a:t>
             </a:fld>
             <a:endParaRPr lang="zh-CN" altLang="en-US"/>
           </a:p>
@@ -642,7 +646,6 @@
           <a:p>
             <a:fld id="{565CE74E-AB26-4998-AD42-012C4C1AD076}" type="slidenum">
               <a:rPr lang="zh-CN" altLang="en-US" smtClean="0"/>
-              <a:t>‹#›</a:t>
             </a:fld>
             <a:endParaRPr lang="zh-CN" altLang="en-US"/>
           </a:p>
@@ -692,6 +695,7 @@
               <a:rPr lang="zh-CN" altLang="en-US"/>
               <a:t>单击此处编辑母版标题样式</a:t>
             </a:r>
+            <a:endParaRPr lang="zh-CN" altLang="en-US"/>
           </a:p>
         </p:txBody>
       </p:sp>
@@ -715,6 +719,7 @@
               <a:rPr lang="zh-CN" altLang="en-US"/>
               <a:t>单击此处编辑母版文本样式</a:t>
             </a:r>
+            <a:endParaRPr lang="zh-CN" altLang="en-US"/>
           </a:p>
           <a:p>
             <a:pPr lvl="1"/>
@@ -722,6 +727,7 @@
               <a:rPr lang="zh-CN" altLang="en-US"/>
               <a:t>第二级</a:t>
             </a:r>
+            <a:endParaRPr lang="zh-CN" altLang="en-US"/>
           </a:p>
           <a:p>
             <a:pPr lvl="2"/>
@@ -729,6 +735,7 @@
               <a:rPr lang="zh-CN" altLang="en-US"/>
               <a:t>第三级</a:t>
             </a:r>
+            <a:endParaRPr lang="zh-CN" altLang="en-US"/>
           </a:p>
           <a:p>
             <a:pPr lvl="3"/>
@@ -736,6 +743,7 @@
               <a:rPr lang="zh-CN" altLang="en-US"/>
               <a:t>第四级</a:t>
             </a:r>
+            <a:endParaRPr lang="zh-CN" altLang="en-US"/>
           </a:p>
           <a:p>
             <a:pPr lvl="4"/>
@@ -743,6 +751,7 @@
               <a:rPr lang="zh-CN" altLang="en-US"/>
               <a:t>第五级</a:t>
             </a:r>
+            <a:endParaRPr lang="zh-CN" altLang="en-US"/>
           </a:p>
         </p:txBody>
       </p:sp>
@@ -763,7 +772,6 @@
           <a:p>
             <a:fld id="{D997B5FA-0921-464F-AAE1-844C04324D75}" type="datetimeFigureOut">
               <a:rPr lang="zh-CN" altLang="en-US" smtClean="0"/>
-              <a:t>2019/12/31</a:t>
             </a:fld>
             <a:endParaRPr lang="zh-CN" altLang="en-US"/>
           </a:p>
@@ -805,7 +813,6 @@
           <a:p>
             <a:fld id="{565CE74E-AB26-4998-AD42-012C4C1AD076}" type="slidenum">
               <a:rPr lang="zh-CN" altLang="en-US" smtClean="0"/>
-              <a:t>‹#›</a:t>
             </a:fld>
             <a:endParaRPr lang="zh-CN" altLang="en-US"/>
           </a:p>
@@ -864,6 +871,7 @@
               <a:rPr lang="zh-CN" altLang="en-US"/>
               <a:t>单击此处编辑母版标题样式</a:t>
             </a:r>
+            <a:endParaRPr lang="zh-CN" altLang="en-US"/>
           </a:p>
         </p:txBody>
       </p:sp>
@@ -983,6 +991,7 @@
               <a:rPr lang="zh-CN" altLang="en-US"/>
               <a:t>单击此处编辑母版文本样式</a:t>
             </a:r>
+            <a:endParaRPr lang="zh-CN" altLang="en-US"/>
           </a:p>
         </p:txBody>
       </p:sp>
@@ -1003,7 +1012,6 @@
           <a:p>
             <a:fld id="{D997B5FA-0921-464F-AAE1-844C04324D75}" type="datetimeFigureOut">
               <a:rPr lang="zh-CN" altLang="en-US" smtClean="0"/>
-              <a:t>2019/12/31</a:t>
             </a:fld>
             <a:endParaRPr lang="zh-CN" altLang="en-US"/>
           </a:p>
@@ -1045,7 +1053,6 @@
           <a:p>
             <a:fld id="{565CE74E-AB26-4998-AD42-012C4C1AD076}" type="slidenum">
               <a:rPr lang="zh-CN" altLang="en-US" smtClean="0"/>
-              <a:t>‹#›</a:t>
             </a:fld>
             <a:endParaRPr lang="zh-CN" altLang="en-US"/>
           </a:p>
@@ -1095,6 +1102,7 @@
               <a:rPr lang="zh-CN" altLang="en-US"/>
               <a:t>单击此处编辑母版标题样式</a:t>
             </a:r>
+            <a:endParaRPr lang="zh-CN" altLang="en-US"/>
           </a:p>
         </p:txBody>
       </p:sp>
@@ -1123,6 +1131,7 @@
               <a:rPr lang="zh-CN" altLang="en-US"/>
               <a:t>单击此处编辑母版文本样式</a:t>
             </a:r>
+            <a:endParaRPr lang="zh-CN" altLang="en-US"/>
           </a:p>
           <a:p>
             <a:pPr lvl="1"/>
@@ -1130,6 +1139,7 @@
               <a:rPr lang="zh-CN" altLang="en-US"/>
               <a:t>第二级</a:t>
             </a:r>
+            <a:endParaRPr lang="zh-CN" altLang="en-US"/>
           </a:p>
           <a:p>
             <a:pPr lvl="2"/>
@@ -1137,6 +1147,7 @@
               <a:rPr lang="zh-CN" altLang="en-US"/>
               <a:t>第三级</a:t>
             </a:r>
+            <a:endParaRPr lang="zh-CN" altLang="en-US"/>
           </a:p>
           <a:p>
             <a:pPr lvl="3"/>
@@ -1144,6 +1155,7 @@
               <a:rPr lang="zh-CN" altLang="en-US"/>
               <a:t>第四级</a:t>
             </a:r>
+            <a:endParaRPr lang="zh-CN" altLang="en-US"/>
           </a:p>
           <a:p>
             <a:pPr lvl="4"/>
@@ -1151,6 +1163,7 @@
               <a:rPr lang="zh-CN" altLang="en-US"/>
               <a:t>第五级</a:t>
             </a:r>
+            <a:endParaRPr lang="zh-CN" altLang="en-US"/>
           </a:p>
         </p:txBody>
       </p:sp>
@@ -1179,6 +1192,7 @@
               <a:rPr lang="zh-CN" altLang="en-US"/>
               <a:t>单击此处编辑母版文本样式</a:t>
             </a:r>
+            <a:endParaRPr lang="zh-CN" altLang="en-US"/>
           </a:p>
           <a:p>
             <a:pPr lvl="1"/>
@@ -1186,6 +1200,7 @@
               <a:rPr lang="zh-CN" altLang="en-US"/>
               <a:t>第二级</a:t>
             </a:r>
+            <a:endParaRPr lang="zh-CN" altLang="en-US"/>
           </a:p>
           <a:p>
             <a:pPr lvl="2"/>
@@ -1193,6 +1208,7 @@
               <a:rPr lang="zh-CN" altLang="en-US"/>
               <a:t>第三级</a:t>
             </a:r>
+            <a:endParaRPr lang="zh-CN" altLang="en-US"/>
           </a:p>
           <a:p>
             <a:pPr lvl="3"/>
@@ -1200,6 +1216,7 @@
               <a:rPr lang="zh-CN" altLang="en-US"/>
               <a:t>第四级</a:t>
             </a:r>
+            <a:endParaRPr lang="zh-CN" altLang="en-US"/>
           </a:p>
           <a:p>
             <a:pPr lvl="4"/>
@@ -1207,6 +1224,7 @@
               <a:rPr lang="zh-CN" altLang="en-US"/>
               <a:t>第五级</a:t>
             </a:r>
+            <a:endParaRPr lang="zh-CN" altLang="en-US"/>
           </a:p>
         </p:txBody>
       </p:sp>
@@ -1227,7 +1245,6 @@
           <a:p>
             <a:fld id="{D997B5FA-0921-464F-AAE1-844C04324D75}" type="datetimeFigureOut">
               <a:rPr lang="zh-CN" altLang="en-US" smtClean="0"/>
-              <a:t>2019/12/31</a:t>
             </a:fld>
             <a:endParaRPr lang="zh-CN" altLang="en-US"/>
           </a:p>
@@ -1269,7 +1286,6 @@
           <a:p>
             <a:fld id="{565CE74E-AB26-4998-AD42-012C4C1AD076}" type="slidenum">
               <a:rPr lang="zh-CN" altLang="en-US" smtClean="0"/>
-              <a:t>‹#›</a:t>
             </a:fld>
             <a:endParaRPr lang="zh-CN" altLang="en-US"/>
           </a:p>
@@ -1324,6 +1340,7 @@
               <a:rPr lang="zh-CN" altLang="en-US"/>
               <a:t>单击此处编辑母版标题样式</a:t>
             </a:r>
+            <a:endParaRPr lang="zh-CN" altLang="en-US"/>
           </a:p>
         </p:txBody>
       </p:sp>
@@ -1389,6 +1406,7 @@
               <a:rPr lang="zh-CN" altLang="en-US"/>
               <a:t>单击此处编辑母版文本样式</a:t>
             </a:r>
+            <a:endParaRPr lang="zh-CN" altLang="en-US"/>
           </a:p>
         </p:txBody>
       </p:sp>
@@ -1417,6 +1435,7 @@
               <a:rPr lang="zh-CN" altLang="en-US"/>
               <a:t>单击此处编辑母版文本样式</a:t>
             </a:r>
+            <a:endParaRPr lang="zh-CN" altLang="en-US"/>
           </a:p>
           <a:p>
             <a:pPr lvl="1"/>
@@ -1424,6 +1443,7 @@
               <a:rPr lang="zh-CN" altLang="en-US"/>
               <a:t>第二级</a:t>
             </a:r>
+            <a:endParaRPr lang="zh-CN" altLang="en-US"/>
           </a:p>
           <a:p>
             <a:pPr lvl="2"/>
@@ -1431,6 +1451,7 @@
               <a:rPr lang="zh-CN" altLang="en-US"/>
               <a:t>第三级</a:t>
             </a:r>
+            <a:endParaRPr lang="zh-CN" altLang="en-US"/>
           </a:p>
           <a:p>
             <a:pPr lvl="3"/>
@@ -1438,6 +1459,7 @@
               <a:rPr lang="zh-CN" altLang="en-US"/>
               <a:t>第四级</a:t>
             </a:r>
+            <a:endParaRPr lang="zh-CN" altLang="en-US"/>
           </a:p>
           <a:p>
             <a:pPr lvl="4"/>
@@ -1445,6 +1467,7 @@
               <a:rPr lang="zh-CN" altLang="en-US"/>
               <a:t>第五级</a:t>
             </a:r>
+            <a:endParaRPr lang="zh-CN" altLang="en-US"/>
           </a:p>
         </p:txBody>
       </p:sp>
@@ -1510,6 +1533,7 @@
               <a:rPr lang="zh-CN" altLang="en-US"/>
               <a:t>单击此处编辑母版文本样式</a:t>
             </a:r>
+            <a:endParaRPr lang="zh-CN" altLang="en-US"/>
           </a:p>
         </p:txBody>
       </p:sp>
@@ -1538,6 +1562,7 @@
               <a:rPr lang="zh-CN" altLang="en-US"/>
               <a:t>单击此处编辑母版文本样式</a:t>
             </a:r>
+            <a:endParaRPr lang="zh-CN" altLang="en-US"/>
           </a:p>
           <a:p>
             <a:pPr lvl="1"/>
@@ -1545,6 +1570,7 @@
               <a:rPr lang="zh-CN" altLang="en-US"/>
               <a:t>第二级</a:t>
             </a:r>
+            <a:endParaRPr lang="zh-CN" altLang="en-US"/>
           </a:p>
           <a:p>
             <a:pPr lvl="2"/>
@@ -1552,6 +1578,7 @@
               <a:rPr lang="zh-CN" altLang="en-US"/>
               <a:t>第三级</a:t>
             </a:r>
+            <a:endParaRPr lang="zh-CN" altLang="en-US"/>
           </a:p>
           <a:p>
             <a:pPr lvl="3"/>
@@ -1559,6 +1586,7 @@
               <a:rPr lang="zh-CN" altLang="en-US"/>
               <a:t>第四级</a:t>
             </a:r>
+            <a:endParaRPr lang="zh-CN" altLang="en-US"/>
           </a:p>
           <a:p>
             <a:pPr lvl="4"/>
@@ -1566,6 +1594,7 @@
               <a:rPr lang="zh-CN" altLang="en-US"/>
               <a:t>第五级</a:t>
             </a:r>
+            <a:endParaRPr lang="zh-CN" altLang="en-US"/>
           </a:p>
         </p:txBody>
       </p:sp>
@@ -1586,7 +1615,6 @@
           <a:p>
             <a:fld id="{D997B5FA-0921-464F-AAE1-844C04324D75}" type="datetimeFigureOut">
               <a:rPr lang="zh-CN" altLang="en-US" smtClean="0"/>
-              <a:t>2019/12/31</a:t>
             </a:fld>
             <a:endParaRPr lang="zh-CN" altLang="en-US"/>
           </a:p>
@@ -1628,7 +1656,6 @@
           <a:p>
             <a:fld id="{565CE74E-AB26-4998-AD42-012C4C1AD076}" type="slidenum">
               <a:rPr lang="zh-CN" altLang="en-US" smtClean="0"/>
-              <a:t>‹#›</a:t>
             </a:fld>
             <a:endParaRPr lang="zh-CN" altLang="en-US"/>
           </a:p>
@@ -1678,6 +1705,7 @@
               <a:rPr lang="zh-CN" altLang="en-US"/>
               <a:t>单击此处编辑母版标题样式</a:t>
             </a:r>
+            <a:endParaRPr lang="zh-CN" altLang="en-US"/>
           </a:p>
         </p:txBody>
       </p:sp>
@@ -1698,7 +1726,6 @@
           <a:p>
             <a:fld id="{D997B5FA-0921-464F-AAE1-844C04324D75}" type="datetimeFigureOut">
               <a:rPr lang="zh-CN" altLang="en-US" smtClean="0"/>
-              <a:t>2019/12/31</a:t>
             </a:fld>
             <a:endParaRPr lang="zh-CN" altLang="en-US"/>
           </a:p>
@@ -1740,7 +1767,6 @@
           <a:p>
             <a:fld id="{565CE74E-AB26-4998-AD42-012C4C1AD076}" type="slidenum">
               <a:rPr lang="zh-CN" altLang="en-US" smtClean="0"/>
-              <a:t>‹#›</a:t>
             </a:fld>
             <a:endParaRPr lang="zh-CN" altLang="en-US"/>
           </a:p>
@@ -1788,7 +1814,6 @@
           <a:p>
             <a:fld id="{D997B5FA-0921-464F-AAE1-844C04324D75}" type="datetimeFigureOut">
               <a:rPr lang="zh-CN" altLang="en-US" smtClean="0"/>
-              <a:t>2019/12/31</a:t>
             </a:fld>
             <a:endParaRPr lang="zh-CN" altLang="en-US"/>
           </a:p>
@@ -1830,7 +1855,6 @@
           <a:p>
             <a:fld id="{565CE74E-AB26-4998-AD42-012C4C1AD076}" type="slidenum">
               <a:rPr lang="zh-CN" altLang="en-US" smtClean="0"/>
-              <a:t>‹#›</a:t>
             </a:fld>
             <a:endParaRPr lang="zh-CN" altLang="en-US"/>
           </a:p>
@@ -1889,6 +1913,7 @@
               <a:rPr lang="zh-CN" altLang="en-US"/>
               <a:t>单击此处编辑母版标题样式</a:t>
             </a:r>
+            <a:endParaRPr lang="zh-CN" altLang="en-US"/>
           </a:p>
         </p:txBody>
       </p:sp>
@@ -1945,6 +1970,7 @@
               <a:rPr lang="zh-CN" altLang="en-US"/>
               <a:t>单击此处编辑母版文本样式</a:t>
             </a:r>
+            <a:endParaRPr lang="zh-CN" altLang="en-US"/>
           </a:p>
           <a:p>
             <a:pPr lvl="1"/>
@@ -1952,6 +1978,7 @@
               <a:rPr lang="zh-CN" altLang="en-US"/>
               <a:t>第二级</a:t>
             </a:r>
+            <a:endParaRPr lang="zh-CN" altLang="en-US"/>
           </a:p>
           <a:p>
             <a:pPr lvl="2"/>
@@ -1959,6 +1986,7 @@
               <a:rPr lang="zh-CN" altLang="en-US"/>
               <a:t>第三级</a:t>
             </a:r>
+            <a:endParaRPr lang="zh-CN" altLang="en-US"/>
           </a:p>
           <a:p>
             <a:pPr lvl="3"/>
@@ -1966,6 +1994,7 @@
               <a:rPr lang="zh-CN" altLang="en-US"/>
               <a:t>第四级</a:t>
             </a:r>
+            <a:endParaRPr lang="zh-CN" altLang="en-US"/>
           </a:p>
           <a:p>
             <a:pPr lvl="4"/>
@@ -1973,6 +2002,7 @@
               <a:rPr lang="zh-CN" altLang="en-US"/>
               <a:t>第五级</a:t>
             </a:r>
+            <a:endParaRPr lang="zh-CN" altLang="en-US"/>
           </a:p>
         </p:txBody>
       </p:sp>
@@ -2038,6 +2068,7 @@
               <a:rPr lang="zh-CN" altLang="en-US"/>
               <a:t>单击此处编辑母版文本样式</a:t>
             </a:r>
+            <a:endParaRPr lang="zh-CN" altLang="en-US"/>
           </a:p>
         </p:txBody>
       </p:sp>
@@ -2058,7 +2089,6 @@
           <a:p>
             <a:fld id="{D997B5FA-0921-464F-AAE1-844C04324D75}" type="datetimeFigureOut">
               <a:rPr lang="zh-CN" altLang="en-US" smtClean="0"/>
-              <a:t>2019/12/31</a:t>
             </a:fld>
             <a:endParaRPr lang="zh-CN" altLang="en-US"/>
           </a:p>
@@ -2100,7 +2130,6 @@
           <a:p>
             <a:fld id="{565CE74E-AB26-4998-AD42-012C4C1AD076}" type="slidenum">
               <a:rPr lang="zh-CN" altLang="en-US" smtClean="0"/>
-              <a:t>‹#›</a:t>
             </a:fld>
             <a:endParaRPr lang="zh-CN" altLang="en-US"/>
           </a:p>
@@ -2159,6 +2188,7 @@
               <a:rPr lang="zh-CN" altLang="en-US"/>
               <a:t>单击此处编辑母版标题样式</a:t>
             </a:r>
+            <a:endParaRPr lang="zh-CN" altLang="en-US"/>
           </a:p>
         </p:txBody>
       </p:sp>
@@ -2285,6 +2315,7 @@
               <a:rPr lang="zh-CN" altLang="en-US"/>
               <a:t>单击此处编辑母版文本样式</a:t>
             </a:r>
+            <a:endParaRPr lang="zh-CN" altLang="en-US"/>
           </a:p>
         </p:txBody>
       </p:sp>
@@ -2305,7 +2336,6 @@
           <a:p>
             <a:fld id="{D997B5FA-0921-464F-AAE1-844C04324D75}" type="datetimeFigureOut">
               <a:rPr lang="zh-CN" altLang="en-US" smtClean="0"/>
-              <a:t>2019/12/31</a:t>
             </a:fld>
             <a:endParaRPr lang="zh-CN" altLang="en-US"/>
           </a:p>
@@ -2347,7 +2377,6 @@
           <a:p>
             <a:fld id="{565CE74E-AB26-4998-AD42-012C4C1AD076}" type="slidenum">
               <a:rPr lang="zh-CN" altLang="en-US" smtClean="0"/>
-              <a:t>‹#›</a:t>
             </a:fld>
             <a:endParaRPr lang="zh-CN" altLang="en-US"/>
           </a:p>
@@ -2412,6 +2441,7 @@
               <a:rPr lang="zh-CN" altLang="en-US"/>
               <a:t>单击此处编辑母版标题样式</a:t>
             </a:r>
+            <a:endParaRPr lang="zh-CN" altLang="en-US"/>
           </a:p>
         </p:txBody>
       </p:sp>
@@ -2445,6 +2475,7 @@
               <a:rPr lang="zh-CN" altLang="en-US"/>
               <a:t>单击此处编辑母版文本样式</a:t>
             </a:r>
+            <a:endParaRPr lang="zh-CN" altLang="en-US"/>
           </a:p>
           <a:p>
             <a:pPr lvl="1"/>
@@ -2452,6 +2483,7 @@
               <a:rPr lang="zh-CN" altLang="en-US"/>
               <a:t>第二级</a:t>
             </a:r>
+            <a:endParaRPr lang="zh-CN" altLang="en-US"/>
           </a:p>
           <a:p>
             <a:pPr lvl="2"/>
@@ -2459,6 +2491,7 @@
               <a:rPr lang="zh-CN" altLang="en-US"/>
               <a:t>第三级</a:t>
             </a:r>
+            <a:endParaRPr lang="zh-CN" altLang="en-US"/>
           </a:p>
           <a:p>
             <a:pPr lvl="3"/>
@@ -2466,6 +2499,7 @@
               <a:rPr lang="zh-CN" altLang="en-US"/>
               <a:t>第四级</a:t>
             </a:r>
+            <a:endParaRPr lang="zh-CN" altLang="en-US"/>
           </a:p>
           <a:p>
             <a:pPr lvl="4"/>
@@ -2473,6 +2507,7 @@
               <a:rPr lang="zh-CN" altLang="en-US"/>
               <a:t>第五级</a:t>
             </a:r>
+            <a:endParaRPr lang="zh-CN" altLang="en-US"/>
           </a:p>
         </p:txBody>
       </p:sp>
@@ -2511,7 +2546,6 @@
           <a:p>
             <a:fld id="{D997B5FA-0921-464F-AAE1-844C04324D75}" type="datetimeFigureOut">
               <a:rPr lang="zh-CN" altLang="en-US" smtClean="0"/>
-              <a:t>2019/12/31</a:t>
             </a:fld>
             <a:endParaRPr lang="zh-CN" altLang="en-US"/>
           </a:p>
@@ -2589,7 +2623,6 @@
           <a:p>
             <a:fld id="{565CE74E-AB26-4998-AD42-012C4C1AD076}" type="slidenum">
               <a:rPr lang="zh-CN" altLang="en-US" smtClean="0"/>
-              <a:t>‹#›</a:t>
             </a:fld>
             <a:endParaRPr lang="zh-CN" altLang="en-US"/>
           </a:p>
@@ -2935,6 +2968,7 @@
               <a:rPr lang="zh-CN" altLang="en-US" dirty="0"/>
               <a:t>Java 8 新特性</a:t>
             </a:r>
+            <a:endParaRPr lang="zh-CN" altLang="en-US" dirty="0"/>
           </a:p>
         </p:txBody>
       </p:sp>
@@ -2955,8 +2989,17 @@
           <a:p>
             <a:r>
               <a:rPr lang="zh-CN" altLang="en-US" dirty="0"/>
-              <a:t>Java 8 (又称为 jdk 1.8) 是 Java 语言开发的一个主要版本它支持函数式编程，新的 JavaScript 引擎，新的日期 API，新的Stream API 等。</a:t>
-            </a:r>
+              <a:t>Java 8 </a:t>
+            </a:r>
+            <a:r>
+              <a:rPr lang="en-US" altLang="zh-CN" dirty="0"/>
+              <a:t>77</a:t>
+            </a:r>
+            <a:r>
+              <a:rPr lang="zh-CN" altLang="en-US" dirty="0"/>
+              <a:t>(又称为 jdk 1.8) 是 Java 语言开发的一个主要版本它支持函数式编程，新的 JavaScript 引擎，新的日期 API，新的Stream API 等。</a:t>
+            </a:r>
+            <a:endParaRPr lang="zh-CN" altLang="en-US" dirty="0"/>
           </a:p>
         </p:txBody>
       </p:sp>
@@ -2987,13 +3030,7 @@
       </p:grpSpPr>
       <p:sp>
         <p:nvSpPr>
-          <p:cNvPr id="2" name="标题 1">
-            <a:extLst>
-              <a:ext uri="{FF2B5EF4-FFF2-40B4-BE49-F238E27FC236}">
-                <a16:creationId xmlns:a16="http://schemas.microsoft.com/office/drawing/2014/main" id="{8883EEAA-BE22-42F2-B137-28D42997C030}"/>
-              </a:ext>
-            </a:extLst>
-          </p:cNvPr>
+          <p:cNvPr id="2" name="标题 1"/>
           <p:cNvSpPr>
             <a:spLocks noGrp="1"/>
           </p:cNvSpPr>
@@ -3014,18 +3051,13 @@
               <a:rPr lang="zh-CN" altLang="en-US" dirty="0"/>
               <a:t>执行步骤</a:t>
             </a:r>
-          </a:p>
-        </p:txBody>
-      </p:sp>
-      <p:sp>
-        <p:nvSpPr>
-          <p:cNvPr id="3" name="内容占位符 2">
-            <a:extLst>
-              <a:ext uri="{FF2B5EF4-FFF2-40B4-BE49-F238E27FC236}">
-                <a16:creationId xmlns:a16="http://schemas.microsoft.com/office/drawing/2014/main" id="{4AE24D26-7A54-40C6-A597-6E45AEEDE6CC}"/>
-              </a:ext>
-            </a:extLst>
-          </p:cNvPr>
+            <a:endParaRPr lang="zh-CN" altLang="en-US" dirty="0"/>
+          </a:p>
+        </p:txBody>
+      </p:sp>
+      <p:sp>
+        <p:nvSpPr>
+          <p:cNvPr id="3" name="内容占位符 2"/>
           <p:cNvSpPr>
             <a:spLocks noGrp="1"/>
           </p:cNvSpPr>
@@ -3091,25 +3123,20 @@
               <a:rPr lang="zh-CN" altLang="en-US" dirty="0"/>
               <a:t>转化成相应的数据结构</a:t>
             </a:r>
+            <a:endParaRPr lang="zh-CN" altLang="en-US" dirty="0"/>
           </a:p>
         </p:txBody>
       </p:sp>
       <p:pic>
         <p:nvPicPr>
-          <p:cNvPr id="4" name="图片 3">
-            <a:extLst>
-              <a:ext uri="{FF2B5EF4-FFF2-40B4-BE49-F238E27FC236}">
-                <a16:creationId xmlns:a16="http://schemas.microsoft.com/office/drawing/2014/main" id="{4ED588C6-3F03-4B59-B4A8-B423A40AAD4A}"/>
-              </a:ext>
-            </a:extLst>
-          </p:cNvPr>
+          <p:cNvPr id="4" name="图片 3"/>
           <p:cNvPicPr>
             <a:picLocks noChangeAspect="1"/>
           </p:cNvPicPr>
           <p:nvPr/>
         </p:nvPicPr>
         <p:blipFill>
-          <a:blip r:embed="rId2"/>
+          <a:blip r:embed="rId1"/>
           <a:stretch>
             <a:fillRect/>
           </a:stretch>
@@ -3125,11 +3152,6 @@
         </p:spPr>
       </p:pic>
     </p:spTree>
-    <p:extLst>
-      <p:ext uri="{BB962C8B-B14F-4D97-AF65-F5344CB8AC3E}">
-        <p14:creationId xmlns:p14="http://schemas.microsoft.com/office/powerpoint/2010/main" val="3839304198"/>
-      </p:ext>
-    </p:extLst>
   </p:cSld>
   <p:clrMapOvr>
     <a:masterClrMapping/>
@@ -3156,13 +3178,7 @@
       </p:grpSpPr>
       <p:sp>
         <p:nvSpPr>
-          <p:cNvPr id="2" name="标题 1">
-            <a:extLst>
-              <a:ext uri="{FF2B5EF4-FFF2-40B4-BE49-F238E27FC236}">
-                <a16:creationId xmlns:a16="http://schemas.microsoft.com/office/drawing/2014/main" id="{5F7C3754-80AF-4B2E-A9DA-12CDB04FB643}"/>
-              </a:ext>
-            </a:extLst>
-          </p:cNvPr>
+          <p:cNvPr id="2" name="标题 1"/>
           <p:cNvSpPr>
             <a:spLocks noGrp="1"/>
           </p:cNvSpPr>
@@ -3192,13 +3208,7 @@
       </p:sp>
       <p:sp>
         <p:nvSpPr>
-          <p:cNvPr id="3" name="内容占位符 2">
-            <a:extLst>
-              <a:ext uri="{FF2B5EF4-FFF2-40B4-BE49-F238E27FC236}">
-                <a16:creationId xmlns:a16="http://schemas.microsoft.com/office/drawing/2014/main" id="{D3C0AF5D-F467-4F82-9450-F59FFC51ACDF}"/>
-              </a:ext>
-            </a:extLst>
-          </p:cNvPr>
+          <p:cNvPr id="3" name="内容占位符 2"/>
           <p:cNvSpPr>
             <a:spLocks noGrp="1"/>
           </p:cNvSpPr>
@@ -3246,11 +3256,6 @@
         </p:txBody>
       </p:sp>
     </p:spTree>
-    <p:extLst>
-      <p:ext uri="{BB962C8B-B14F-4D97-AF65-F5344CB8AC3E}">
-        <p14:creationId xmlns:p14="http://schemas.microsoft.com/office/powerpoint/2010/main" val="2154195064"/>
-      </p:ext>
-    </p:extLst>
   </p:cSld>
   <p:clrMapOvr>
     <a:masterClrMapping/>
@@ -3277,13 +3282,7 @@
       </p:grpSpPr>
       <p:sp>
         <p:nvSpPr>
-          <p:cNvPr id="2" name="标题 1">
-            <a:extLst>
-              <a:ext uri="{FF2B5EF4-FFF2-40B4-BE49-F238E27FC236}">
-                <a16:creationId xmlns:a16="http://schemas.microsoft.com/office/drawing/2014/main" id="{5F7C3754-80AF-4B2E-A9DA-12CDB04FB643}"/>
-              </a:ext>
-            </a:extLst>
-          </p:cNvPr>
+          <p:cNvPr id="2" name="标题 1"/>
           <p:cNvSpPr>
             <a:spLocks noGrp="1"/>
           </p:cNvSpPr>
@@ -3313,13 +3312,7 @@
       </p:sp>
       <p:sp>
         <p:nvSpPr>
-          <p:cNvPr id="3" name="内容占位符 2">
-            <a:extLst>
-              <a:ext uri="{FF2B5EF4-FFF2-40B4-BE49-F238E27FC236}">
-                <a16:creationId xmlns:a16="http://schemas.microsoft.com/office/drawing/2014/main" id="{D3C0AF5D-F467-4F82-9450-F59FFC51ACDF}"/>
-              </a:ext>
-            </a:extLst>
-          </p:cNvPr>
+          <p:cNvPr id="3" name="内容占位符 2"/>
           <p:cNvSpPr>
             <a:spLocks noGrp="1"/>
           </p:cNvSpPr>
@@ -3344,6 +3337,7 @@
               <a:rPr lang="en-US" altLang="zh-CN" dirty="0"/>
               <a:t>1.Stream.of()</a:t>
             </a:r>
+            <a:endParaRPr lang="en-US" altLang="zh-CN" dirty="0"/>
           </a:p>
           <a:p>
             <a:pPr marL="0" indent="0">
@@ -3361,6 +3355,7 @@
               <a:rPr lang="en-US" altLang="zh-CN" dirty="0"/>
               <a:t>of()</a:t>
             </a:r>
+            <a:endParaRPr lang="en-US" altLang="zh-CN" dirty="0"/>
           </a:p>
           <a:p>
             <a:pPr marL="0" indent="0">
@@ -3388,20 +3383,14 @@
       </p:sp>
       <p:pic>
         <p:nvPicPr>
-          <p:cNvPr id="5" name="图片 4">
-            <a:extLst>
-              <a:ext uri="{FF2B5EF4-FFF2-40B4-BE49-F238E27FC236}">
-                <a16:creationId xmlns:a16="http://schemas.microsoft.com/office/drawing/2014/main" id="{52E3CE7D-38F1-4A55-B199-754A9A0375B2}"/>
-              </a:ext>
-            </a:extLst>
-          </p:cNvPr>
+          <p:cNvPr id="5" name="图片 4"/>
           <p:cNvPicPr>
             <a:picLocks noChangeAspect="1"/>
           </p:cNvPicPr>
           <p:nvPr/>
         </p:nvPicPr>
         <p:blipFill>
-          <a:blip r:embed="rId2"/>
+          <a:blip r:embed="rId1"/>
           <a:stretch>
             <a:fillRect/>
           </a:stretch>
@@ -3418,13 +3407,7 @@
       </p:pic>
       <p:sp>
         <p:nvSpPr>
-          <p:cNvPr id="6" name="文本框 5">
-            <a:extLst>
-              <a:ext uri="{FF2B5EF4-FFF2-40B4-BE49-F238E27FC236}">
-                <a16:creationId xmlns:a16="http://schemas.microsoft.com/office/drawing/2014/main" id="{CFEE2A8E-544B-419D-AC7D-FAB9FA86F2F8}"/>
-              </a:ext>
-            </a:extLst>
-          </p:cNvPr>
+          <p:cNvPr id="6" name="文本框 5"/>
           <p:cNvSpPr txBox="1"/>
           <p:nvPr/>
         </p:nvSpPr>
@@ -3448,6 +3431,7 @@
               <a:rPr lang="en-US" altLang="zh-CN" sz="2800" dirty="0"/>
               <a:t>2.Collection.stream()</a:t>
             </a:r>
+            <a:endParaRPr lang="en-US" altLang="zh-CN" sz="2800" dirty="0"/>
           </a:p>
           <a:p>
             <a:r>
@@ -3470,6 +3454,7 @@
               <a:rPr lang="en-US" altLang="zh-CN" sz="2800" dirty="0"/>
               <a:t>stream()</a:t>
             </a:r>
+            <a:endParaRPr lang="en-US" altLang="zh-CN" sz="2800" dirty="0"/>
           </a:p>
           <a:p>
             <a:r>
@@ -3484,6 +3469,7 @@
               <a:rPr lang="en-US" altLang="zh-CN" sz="2800" dirty="0"/>
               <a:t>:</a:t>
             </a:r>
+            <a:endParaRPr lang="en-US" altLang="zh-CN" sz="2800" dirty="0"/>
           </a:p>
           <a:p>
             <a:endParaRPr lang="zh-CN" altLang="en-US" sz="2800" dirty="0"/>
@@ -3492,20 +3478,14 @@
       </p:sp>
       <p:pic>
         <p:nvPicPr>
-          <p:cNvPr id="7" name="图片 6">
-            <a:extLst>
-              <a:ext uri="{FF2B5EF4-FFF2-40B4-BE49-F238E27FC236}">
-                <a16:creationId xmlns:a16="http://schemas.microsoft.com/office/drawing/2014/main" id="{7B06C6E9-925A-448D-84A0-A8E0302B0C08}"/>
-              </a:ext>
-            </a:extLst>
-          </p:cNvPr>
+          <p:cNvPr id="7" name="图片 6"/>
           <p:cNvPicPr>
             <a:picLocks noChangeAspect="1"/>
           </p:cNvPicPr>
           <p:nvPr/>
         </p:nvPicPr>
         <p:blipFill>
-          <a:blip r:embed="rId3"/>
+          <a:blip r:embed="rId2"/>
           <a:stretch>
             <a:fillRect/>
           </a:stretch>
@@ -3521,11 +3501,6 @@
         </p:spPr>
       </p:pic>
     </p:spTree>
-    <p:extLst>
-      <p:ext uri="{BB962C8B-B14F-4D97-AF65-F5344CB8AC3E}">
-        <p14:creationId xmlns:p14="http://schemas.microsoft.com/office/powerpoint/2010/main" val="1368839448"/>
-      </p:ext>
-    </p:extLst>
   </p:cSld>
   <p:clrMapOvr>
     <a:masterClrMapping/>
@@ -3552,13 +3527,7 @@
       </p:grpSpPr>
       <p:sp>
         <p:nvSpPr>
-          <p:cNvPr id="2" name="标题 1">
-            <a:extLst>
-              <a:ext uri="{FF2B5EF4-FFF2-40B4-BE49-F238E27FC236}">
-                <a16:creationId xmlns:a16="http://schemas.microsoft.com/office/drawing/2014/main" id="{5F7C3754-80AF-4B2E-A9DA-12CDB04FB643}"/>
-              </a:ext>
-            </a:extLst>
-          </p:cNvPr>
+          <p:cNvPr id="2" name="标题 1"/>
           <p:cNvSpPr>
             <a:spLocks noGrp="1"/>
           </p:cNvSpPr>
@@ -3588,13 +3557,7 @@
       </p:sp>
       <p:pic>
         <p:nvPicPr>
-          <p:cNvPr id="8" name="内容占位符 7">
-            <a:extLst>
-              <a:ext uri="{FF2B5EF4-FFF2-40B4-BE49-F238E27FC236}">
-                <a16:creationId xmlns:a16="http://schemas.microsoft.com/office/drawing/2014/main" id="{1693C84B-5C6B-46E2-A9D6-C2DB5787ACD9}"/>
-              </a:ext>
-            </a:extLst>
-          </p:cNvPr>
+          <p:cNvPr id="8" name="内容占位符 7"/>
           <p:cNvPicPr>
             <a:picLocks noGrp="1" noChangeAspect="1"/>
           </p:cNvPicPr>
@@ -3603,7 +3566,7 @@
           </p:nvPr>
         </p:nvPicPr>
         <p:blipFill>
-          <a:blip r:embed="rId2">
+          <a:blip r:embed="rId1">
             <a:extLst>
               <a:ext uri="{28A0092B-C50C-407E-A947-70E740481C1C}">
                 <a14:useLocalDpi xmlns:a14="http://schemas.microsoft.com/office/drawing/2010/main" val="0"/>
@@ -3623,13 +3586,7 @@
       </p:pic>
       <p:sp>
         <p:nvSpPr>
-          <p:cNvPr id="9" name="文本框 8">
-            <a:extLst>
-              <a:ext uri="{FF2B5EF4-FFF2-40B4-BE49-F238E27FC236}">
-                <a16:creationId xmlns:a16="http://schemas.microsoft.com/office/drawing/2014/main" id="{5ABFA70D-F972-47DF-95F4-9B9E2C332102}"/>
-              </a:ext>
-            </a:extLst>
-          </p:cNvPr>
+          <p:cNvPr id="9" name="文本框 8"/>
           <p:cNvSpPr txBox="1"/>
           <p:nvPr/>
         </p:nvSpPr>
@@ -3691,6 +3648,7 @@
               <a:rPr lang="en-US" altLang="zh-CN" sz="2400" dirty="0"/>
               <a:t>1. filter(Predicate  predicate);</a:t>
             </a:r>
+            <a:endParaRPr lang="en-US" altLang="zh-CN" sz="2400" dirty="0"/>
           </a:p>
           <a:p>
             <a:r>
@@ -3705,27 +3663,25 @@
               <a:rPr lang="en-US" altLang="zh-CN" sz="2400" dirty="0"/>
               <a:t>map(Function  mapper);</a:t>
             </a:r>
+            <a:endParaRPr lang="en-US" altLang="zh-CN" sz="2400" dirty="0"/>
           </a:p>
           <a:p>
             <a:r>
               <a:rPr lang="en-US" altLang="zh-CN" sz="2400" dirty="0"/>
               <a:t>3. sorted(Comparator comparator);</a:t>
             </a:r>
+            <a:endParaRPr lang="en-US" altLang="zh-CN" sz="2400" dirty="0"/>
           </a:p>
           <a:p>
             <a:r>
               <a:rPr lang="en-US" altLang="zh-CN" sz="2400" dirty="0"/>
               <a:t>4. collect(Collector collector);</a:t>
             </a:r>
+            <a:endParaRPr lang="en-US" altLang="zh-CN" sz="2400" dirty="0"/>
           </a:p>
         </p:txBody>
       </p:sp>
     </p:spTree>
-    <p:extLst>
-      <p:ext uri="{BB962C8B-B14F-4D97-AF65-F5344CB8AC3E}">
-        <p14:creationId xmlns:p14="http://schemas.microsoft.com/office/powerpoint/2010/main" val="1398421316"/>
-      </p:ext>
-    </p:extLst>
   </p:cSld>
   <p:clrMapOvr>
     <a:masterClrMapping/>
@@ -3834,20 +3790,14 @@
       </p:sp>
       <p:pic>
         <p:nvPicPr>
-          <p:cNvPr id="4" name="图片 3">
-            <a:extLst>
-              <a:ext uri="{FF2B5EF4-FFF2-40B4-BE49-F238E27FC236}">
-                <a16:creationId xmlns:a16="http://schemas.microsoft.com/office/drawing/2014/main" id="{BF94C8D2-2681-4DCF-B3A6-43553DC4FB73}"/>
-              </a:ext>
-            </a:extLst>
-          </p:cNvPr>
+          <p:cNvPr id="4" name="图片 3"/>
           <p:cNvPicPr>
             <a:picLocks noChangeAspect="1"/>
           </p:cNvPicPr>
           <p:nvPr/>
         </p:nvPicPr>
         <p:blipFill>
-          <a:blip r:embed="rId2"/>
+          <a:blip r:embed="rId1"/>
           <a:stretch>
             <a:fillRect/>
           </a:stretch>
@@ -3864,20 +3814,14 @@
       </p:pic>
       <p:pic>
         <p:nvPicPr>
-          <p:cNvPr id="5" name="图片 4">
-            <a:extLst>
-              <a:ext uri="{FF2B5EF4-FFF2-40B4-BE49-F238E27FC236}">
-                <a16:creationId xmlns:a16="http://schemas.microsoft.com/office/drawing/2014/main" id="{CA1728ED-70AF-445A-A1C6-B7BC8A639BBF}"/>
-              </a:ext>
-            </a:extLst>
-          </p:cNvPr>
+          <p:cNvPr id="5" name="图片 4"/>
           <p:cNvPicPr>
             <a:picLocks noChangeAspect="1"/>
           </p:cNvPicPr>
           <p:nvPr/>
         </p:nvPicPr>
         <p:blipFill>
-          <a:blip r:embed="rId3"/>
+          <a:blip r:embed="rId2"/>
           <a:stretch>
             <a:fillRect/>
           </a:stretch>
@@ -3894,13 +3838,7 @@
       </p:pic>
       <p:sp>
         <p:nvSpPr>
-          <p:cNvPr id="6" name="文本框 5">
-            <a:extLst>
-              <a:ext uri="{FF2B5EF4-FFF2-40B4-BE49-F238E27FC236}">
-                <a16:creationId xmlns:a16="http://schemas.microsoft.com/office/drawing/2014/main" id="{B2795EC6-0A03-4D5F-AB31-C7FBFF14EB87}"/>
-              </a:ext>
-            </a:extLst>
-          </p:cNvPr>
+          <p:cNvPr id="6" name="文本框 5"/>
           <p:cNvSpPr txBox="1"/>
           <p:nvPr/>
         </p:nvSpPr>
@@ -3928,15 +3866,11 @@
               <a:rPr lang="zh-CN" altLang="en-US" sz="2400" dirty="0"/>
               <a:t>表达式：</a:t>
             </a:r>
+            <a:endParaRPr lang="zh-CN" altLang="en-US" sz="2400" dirty="0"/>
           </a:p>
         </p:txBody>
       </p:sp>
     </p:spTree>
-    <p:extLst>
-      <p:ext uri="{BB962C8B-B14F-4D97-AF65-F5344CB8AC3E}">
-        <p14:creationId xmlns:p14="http://schemas.microsoft.com/office/powerpoint/2010/main" val="1090041129"/>
-      </p:ext>
-    </p:extLst>
   </p:cSld>
   <p:clrMapOvr>
     <a:masterClrMapping/>
@@ -4045,13 +3979,7 @@
       </p:sp>
       <p:sp>
         <p:nvSpPr>
-          <p:cNvPr id="6" name="文本框 5">
-            <a:extLst>
-              <a:ext uri="{FF2B5EF4-FFF2-40B4-BE49-F238E27FC236}">
-                <a16:creationId xmlns:a16="http://schemas.microsoft.com/office/drawing/2014/main" id="{B2795EC6-0A03-4D5F-AB31-C7FBFF14EB87}"/>
-              </a:ext>
-            </a:extLst>
-          </p:cNvPr>
+          <p:cNvPr id="6" name="文本框 5"/>
           <p:cNvSpPr txBox="1"/>
           <p:nvPr/>
         </p:nvSpPr>
@@ -4079,25 +4007,20 @@
               <a:rPr lang="zh-CN" altLang="en-US" sz="2400" dirty="0"/>
               <a:t>表达式：</a:t>
             </a:r>
+            <a:endParaRPr lang="zh-CN" altLang="en-US" sz="2400" dirty="0"/>
           </a:p>
         </p:txBody>
       </p:sp>
       <p:pic>
         <p:nvPicPr>
-          <p:cNvPr id="7" name="图片 6">
-            <a:extLst>
-              <a:ext uri="{FF2B5EF4-FFF2-40B4-BE49-F238E27FC236}">
-                <a16:creationId xmlns:a16="http://schemas.microsoft.com/office/drawing/2014/main" id="{214219FE-E032-40DF-97A8-CE883A5E050A}"/>
-              </a:ext>
-            </a:extLst>
-          </p:cNvPr>
+          <p:cNvPr id="7" name="图片 6"/>
           <p:cNvPicPr>
             <a:picLocks noChangeAspect="1"/>
           </p:cNvPicPr>
           <p:nvPr/>
         </p:nvPicPr>
         <p:blipFill>
-          <a:blip r:embed="rId2"/>
+          <a:blip r:embed="rId1"/>
           <a:stretch>
             <a:fillRect/>
           </a:stretch>
@@ -4114,20 +4037,14 @@
       </p:pic>
       <p:pic>
         <p:nvPicPr>
-          <p:cNvPr id="8" name="图片 7">
-            <a:extLst>
-              <a:ext uri="{FF2B5EF4-FFF2-40B4-BE49-F238E27FC236}">
-                <a16:creationId xmlns:a16="http://schemas.microsoft.com/office/drawing/2014/main" id="{78D63BE0-E67A-45F8-BA3A-A9A646717B39}"/>
-              </a:ext>
-            </a:extLst>
-          </p:cNvPr>
+          <p:cNvPr id="8" name="图片 7"/>
           <p:cNvPicPr>
             <a:picLocks noChangeAspect="1"/>
           </p:cNvPicPr>
           <p:nvPr/>
         </p:nvPicPr>
         <p:blipFill>
-          <a:blip r:embed="rId3"/>
+          <a:blip r:embed="rId2"/>
           <a:stretch>
             <a:fillRect/>
           </a:stretch>
@@ -4143,11 +4060,6 @@
         </p:spPr>
       </p:pic>
     </p:spTree>
-    <p:extLst>
-      <p:ext uri="{BB962C8B-B14F-4D97-AF65-F5344CB8AC3E}">
-        <p14:creationId xmlns:p14="http://schemas.microsoft.com/office/powerpoint/2010/main" val="2025552759"/>
-      </p:ext>
-    </p:extLst>
   </p:cSld>
   <p:clrMapOvr>
     <a:masterClrMapping/>
@@ -4260,6 +4172,7 @@
               <a:rPr lang="en-US" altLang="zh-CN" dirty="0"/>
               <a:t>List</a:t>
             </a:r>
+            <a:endParaRPr lang="en-US" altLang="zh-CN" dirty="0"/>
           </a:p>
           <a:p>
             <a:pPr marL="0" indent="0">
@@ -4271,13 +4184,7 @@
       </p:sp>
       <p:sp>
         <p:nvSpPr>
-          <p:cNvPr id="6" name="文本框 5">
-            <a:extLst>
-              <a:ext uri="{FF2B5EF4-FFF2-40B4-BE49-F238E27FC236}">
-                <a16:creationId xmlns:a16="http://schemas.microsoft.com/office/drawing/2014/main" id="{B2795EC6-0A03-4D5F-AB31-C7FBFF14EB87}"/>
-              </a:ext>
-            </a:extLst>
-          </p:cNvPr>
+          <p:cNvPr id="6" name="文本框 5"/>
           <p:cNvSpPr txBox="1"/>
           <p:nvPr/>
         </p:nvSpPr>
@@ -4305,25 +4212,20 @@
               <a:rPr lang="zh-CN" altLang="en-US" sz="2400" dirty="0"/>
               <a:t>表达式：</a:t>
             </a:r>
+            <a:endParaRPr lang="zh-CN" altLang="en-US" sz="2400" dirty="0"/>
           </a:p>
         </p:txBody>
       </p:sp>
       <p:pic>
         <p:nvPicPr>
-          <p:cNvPr id="4" name="图片 3">
-            <a:extLst>
-              <a:ext uri="{FF2B5EF4-FFF2-40B4-BE49-F238E27FC236}">
-                <a16:creationId xmlns:a16="http://schemas.microsoft.com/office/drawing/2014/main" id="{C0053AB8-7485-4CE4-AC10-2AC7DD902D5F}"/>
-              </a:ext>
-            </a:extLst>
-          </p:cNvPr>
+          <p:cNvPr id="4" name="图片 3"/>
           <p:cNvPicPr>
             <a:picLocks noChangeAspect="1"/>
           </p:cNvPicPr>
           <p:nvPr/>
         </p:nvPicPr>
         <p:blipFill>
-          <a:blip r:embed="rId2"/>
+          <a:blip r:embed="rId1"/>
           <a:stretch>
             <a:fillRect/>
           </a:stretch>
@@ -4339,11 +4241,6 @@
         </p:spPr>
       </p:pic>
     </p:spTree>
-    <p:extLst>
-      <p:ext uri="{BB962C8B-B14F-4D97-AF65-F5344CB8AC3E}">
-        <p14:creationId xmlns:p14="http://schemas.microsoft.com/office/powerpoint/2010/main" val="924891675"/>
-      </p:ext>
-    </p:extLst>
   </p:cSld>
   <p:clrMapOvr>
     <a:masterClrMapping/>
@@ -4387,6 +4284,7 @@
               <a:rPr lang="zh-CN" altLang="en-US"/>
               <a:t>方法引用</a:t>
             </a:r>
+            <a:endParaRPr lang="zh-CN" altLang="en-US"/>
           </a:p>
         </p:txBody>
       </p:sp>
@@ -4401,7 +4299,7 @@
           </p:nvPr>
         </p:nvPicPr>
         <p:blipFill>
-          <a:blip r:embed="rId2"/>
+          <a:blip r:embed="rId1"/>
           <a:stretch>
             <a:fillRect/>
           </a:stretch>
@@ -4442,18 +4340,21 @@
               <a:rPr lang="zh-CN" altLang="en-US"/>
               <a:t>引用静态方法。</a:t>
             </a:r>
+            <a:endParaRPr lang="zh-CN" altLang="en-US"/>
           </a:p>
           <a:p>
             <a:r>
               <a:rPr lang="zh-CN" altLang="en-US"/>
               <a:t>引用实例方法。</a:t>
             </a:r>
+            <a:endParaRPr lang="zh-CN" altLang="en-US"/>
           </a:p>
           <a:p>
             <a:r>
               <a:rPr lang="zh-CN" altLang="en-US"/>
               <a:t>引用构造函数。</a:t>
             </a:r>
+            <a:endParaRPr lang="zh-CN" altLang="en-US"/>
           </a:p>
         </p:txBody>
       </p:sp>
@@ -4517,6 +4418,7 @@
               <a:rPr lang="en-US" altLang="zh-CN" dirty="0"/>
               <a:t>API</a:t>
             </a:r>
+            <a:endParaRPr lang="en-US" altLang="zh-CN" dirty="0"/>
           </a:p>
         </p:txBody>
       </p:sp>
@@ -4563,25 +4465,20 @@
               <a:rPr lang="zh-CN" altLang="en-US" sz="2900" dirty="0"/>
               <a:t>Java 8引入了用于日期和时间的新API，以解决较旧的java.util.Date和java.util.Calendar的缺点。</a:t>
             </a:r>
+            <a:endParaRPr lang="zh-CN" altLang="en-US" sz="2900" dirty="0"/>
           </a:p>
         </p:txBody>
       </p:sp>
       <p:pic>
         <p:nvPicPr>
-          <p:cNvPr id="5" name="图片 4">
-            <a:extLst>
-              <a:ext uri="{FF2B5EF4-FFF2-40B4-BE49-F238E27FC236}">
-                <a16:creationId xmlns:a16="http://schemas.microsoft.com/office/drawing/2014/main" id="{052E4429-DBF2-4EB3-AFFB-E0F517232597}"/>
-              </a:ext>
-            </a:extLst>
-          </p:cNvPr>
+          <p:cNvPr id="5" name="图片 4"/>
           <p:cNvPicPr>
             <a:picLocks noChangeAspect="1"/>
           </p:cNvPicPr>
           <p:nvPr/>
         </p:nvPicPr>
         <p:blipFill>
-          <a:blip r:embed="rId2">
+          <a:blip r:embed="rId1">
             <a:extLst>
               <a:ext uri="{28A0092B-C50C-407E-A947-70E740481C1C}">
                 <a14:useLocalDpi xmlns:a14="http://schemas.microsoft.com/office/drawing/2010/main" val="0"/>
@@ -4697,6 +4594,7 @@
               <a:rPr lang="en-US" altLang="zh-CN" dirty="0"/>
               <a:t>)</a:t>
             </a:r>
+            <a:endParaRPr lang="en-US" altLang="zh-CN" dirty="0"/>
           </a:p>
           <a:p>
             <a:pPr marL="0" indent="0">
@@ -4720,6 +4618,7 @@
               <a:rPr lang="en-US" altLang="zh-CN" sz="2400" dirty="0"/>
               <a:t>now()	</a:t>
             </a:r>
+            <a:endParaRPr lang="en-US" altLang="zh-CN" sz="2400" dirty="0"/>
           </a:p>
           <a:p>
             <a:pPr marL="0" indent="0">
@@ -4753,6 +4652,7 @@
               <a:rPr lang="en-US" altLang="zh-CN" sz="2400" dirty="0"/>
               <a:t>()</a:t>
             </a:r>
+            <a:endParaRPr lang="en-US" altLang="zh-CN" sz="2400" dirty="0"/>
           </a:p>
           <a:p>
             <a:pPr marL="0" indent="0">
@@ -4770,6 +4670,7 @@
               <a:rPr lang="en-US" altLang="zh-CN" sz="2400" dirty="0"/>
               <a:t>of</a:t>
             </a:r>
+            <a:endParaRPr lang="en-US" altLang="zh-CN" sz="2400" dirty="0"/>
           </a:p>
           <a:p>
             <a:pPr marL="0" indent="0">
@@ -4841,6 +4742,7 @@
               <a:rPr lang="zh-CN" altLang="en-US" dirty="0"/>
               <a:t>特性列表</a:t>
             </a:r>
+            <a:endParaRPr lang="zh-CN" altLang="en-US" dirty="0"/>
           </a:p>
         </p:txBody>
       </p:sp>
@@ -4870,6 +4772,7 @@
               <a:rPr lang="zh-CN" altLang="en-US" dirty="0"/>
               <a:t>Lambda 表达式 </a:t>
             </a:r>
+            <a:endParaRPr lang="zh-CN" altLang="en-US" dirty="0"/>
           </a:p>
           <a:p>
             <a:pPr marL="0" indent="0">
@@ -4897,6 +4800,7 @@
               <a:rPr lang="zh-CN" altLang="en-US" dirty="0"/>
               <a:t>Stream API </a:t>
             </a:r>
+            <a:endParaRPr lang="zh-CN" altLang="en-US" dirty="0"/>
           </a:p>
           <a:p>
             <a:pPr marL="0" indent="0">
@@ -4910,6 +4814,7 @@
               <a:rPr lang="zh-CN" altLang="en-US" dirty="0"/>
               <a:t>Date Time API </a:t>
             </a:r>
+            <a:endParaRPr lang="zh-CN" altLang="en-US" dirty="0"/>
           </a:p>
           <a:p>
             <a:pPr marL="0" indent="0">
@@ -4923,6 +4828,7 @@
               <a:rPr lang="zh-CN" altLang="en-US" dirty="0"/>
               <a:t>Optional 类</a:t>
             </a:r>
+            <a:endParaRPr lang="zh-CN" altLang="en-US" dirty="0"/>
           </a:p>
         </p:txBody>
       </p:sp>
@@ -5023,6 +4929,7 @@
               <a:rPr lang="en-US" altLang="zh-CN" sz="2400" dirty="0"/>
               <a:t>now()	</a:t>
             </a:r>
+            <a:endParaRPr lang="en-US" altLang="zh-CN" sz="2400" dirty="0"/>
           </a:p>
           <a:p>
             <a:pPr marL="0" indent="0">
@@ -5060,6 +4967,7 @@
               <a:rPr lang="en-US" altLang="zh-CN" sz="2400" dirty="0"/>
               <a:t>	</a:t>
             </a:r>
+            <a:endParaRPr lang="en-US" altLang="zh-CN" sz="2400" dirty="0"/>
           </a:p>
           <a:p>
             <a:pPr marL="0" indent="0">
@@ -5093,6 +5001,7 @@
               <a:rPr lang="en-US" altLang="zh-CN" sz="2400" dirty="0"/>
               <a:t>()</a:t>
             </a:r>
+            <a:endParaRPr lang="en-US" altLang="zh-CN" sz="2400" dirty="0"/>
           </a:p>
           <a:p>
             <a:pPr marL="0" indent="0">
@@ -5106,6 +5015,7 @@
               <a:rPr lang="en-US" altLang="zh-CN" sz="2400" dirty="0"/>
               <a:t>// 18:36:46.744 </a:t>
             </a:r>
+            <a:endParaRPr lang="en-US" altLang="zh-CN" sz="2400" dirty="0"/>
           </a:p>
           <a:p>
             <a:pPr marL="0" indent="0">
@@ -5115,6 +5025,7 @@
               <a:rPr lang="en-US" altLang="zh-CN" sz="2400" dirty="0"/>
               <a:t>2.of()</a:t>
             </a:r>
+            <a:endParaRPr lang="en-US" altLang="zh-CN" sz="2400" dirty="0"/>
           </a:p>
           <a:p>
             <a:pPr marL="0" indent="0">
@@ -5153,11 +5064,6 @@
         </p:txBody>
       </p:sp>
     </p:spTree>
-    <p:extLst>
-      <p:ext uri="{BB962C8B-B14F-4D97-AF65-F5344CB8AC3E}">
-        <p14:creationId xmlns:p14="http://schemas.microsoft.com/office/powerpoint/2010/main" val="2215578708"/>
-      </p:ext>
-    </p:extLst>
   </p:cSld>
   <p:clrMapOvr>
     <a:masterClrMapping/>
@@ -5254,6 +5160,7 @@
               <a:rPr lang="en-US" altLang="zh-CN" sz="2400" dirty="0"/>
               <a:t>now()	</a:t>
             </a:r>
+            <a:endParaRPr lang="en-US" altLang="zh-CN" sz="2400" dirty="0"/>
           </a:p>
           <a:p>
             <a:pPr marL="0" indent="0">
@@ -5291,6 +5198,7 @@
               <a:rPr lang="en-US" altLang="zh-CN" sz="2400" dirty="0"/>
               <a:t>	</a:t>
             </a:r>
+            <a:endParaRPr lang="en-US" altLang="zh-CN" sz="2400" dirty="0"/>
           </a:p>
           <a:p>
             <a:pPr marL="0" indent="0">
@@ -5324,6 +5232,7 @@
               <a:rPr lang="en-US" altLang="zh-CN" sz="2400" dirty="0"/>
               <a:t>()</a:t>
             </a:r>
+            <a:endParaRPr lang="en-US" altLang="zh-CN" sz="2400" dirty="0"/>
           </a:p>
           <a:p>
             <a:pPr marL="0" indent="0">
@@ -5337,6 +5246,7 @@
               <a:rPr lang="en-US" altLang="zh-CN" sz="2400" dirty="0"/>
               <a:t>// 18:36:46.744 </a:t>
             </a:r>
+            <a:endParaRPr lang="en-US" altLang="zh-CN" sz="2400" dirty="0"/>
           </a:p>
           <a:p>
             <a:pPr marL="0" indent="0">
@@ -5346,6 +5256,7 @@
               <a:rPr lang="en-US" altLang="zh-CN" sz="2400" dirty="0"/>
               <a:t>2.of()</a:t>
             </a:r>
+            <a:endParaRPr lang="en-US" altLang="zh-CN" sz="2400" dirty="0"/>
           </a:p>
           <a:p>
             <a:pPr marL="0" indent="0">
@@ -5384,11 +5295,6 @@
         </p:txBody>
       </p:sp>
     </p:spTree>
-    <p:extLst>
-      <p:ext uri="{BB962C8B-B14F-4D97-AF65-F5344CB8AC3E}">
-        <p14:creationId xmlns:p14="http://schemas.microsoft.com/office/powerpoint/2010/main" val="229767753"/>
-      </p:ext>
-    </p:extLst>
   </p:cSld>
   <p:clrMapOvr>
     <a:masterClrMapping/>
@@ -5437,6 +5343,7 @@
               <a:rPr lang="en-US" altLang="zh-CN" dirty="0"/>
               <a:t>Optional</a:t>
             </a:r>
+            <a:endParaRPr lang="en-US" altLang="zh-CN" dirty="0"/>
           </a:p>
         </p:txBody>
       </p:sp>
@@ -5495,20 +5402,14 @@
       </p:sp>
       <p:pic>
         <p:nvPicPr>
-          <p:cNvPr id="1034" name="Picture 10" descr="“nullpointErexception”的图片搜索结果">
-            <a:extLst>
-              <a:ext uri="{FF2B5EF4-FFF2-40B4-BE49-F238E27FC236}">
-                <a16:creationId xmlns:a16="http://schemas.microsoft.com/office/drawing/2014/main" id="{1BC98130-7EA4-4814-BEDE-E4C09FFCD778}"/>
-              </a:ext>
-            </a:extLst>
-          </p:cNvPr>
+          <p:cNvPr id="1034" name="Picture 10" descr="“nullpointErexception”的图片搜索结果"/>
           <p:cNvPicPr>
             <a:picLocks noChangeAspect="1" noChangeArrowheads="1"/>
           </p:cNvPicPr>
           <p:nvPr/>
         </p:nvPicPr>
         <p:blipFill>
-          <a:blip r:embed="rId2">
+          <a:blip r:embed="rId1">
             <a:extLst>
               <a:ext uri="{28A0092B-C50C-407E-A947-70E740481C1C}">
                 <a14:useLocalDpi xmlns:a14="http://schemas.microsoft.com/office/drawing/2010/main" val="0"/>
@@ -5542,20 +5443,14 @@
       </p:pic>
       <p:pic>
         <p:nvPicPr>
-          <p:cNvPr id="1030" name="Picture 6" descr="“nullpointErexception”的图片搜索结果&quot;">
-            <a:extLst>
-              <a:ext uri="{FF2B5EF4-FFF2-40B4-BE49-F238E27FC236}">
-                <a16:creationId xmlns:a16="http://schemas.microsoft.com/office/drawing/2014/main" id="{4348D03B-2D8D-4AEF-8D1F-69C3ABFE8AE2}"/>
-              </a:ext>
-            </a:extLst>
-          </p:cNvPr>
+          <p:cNvPr id="1030" name="Picture 6" descr="“nullpointErexception”的图片搜索结果&quot;"/>
           <p:cNvPicPr>
             <a:picLocks noChangeAspect="1" noChangeArrowheads="1"/>
           </p:cNvPicPr>
           <p:nvPr/>
         </p:nvPicPr>
         <p:blipFill>
-          <a:blip r:embed="rId3">
+          <a:blip r:embed="rId2">
             <a:extLst>
               <a:ext uri="{28A0092B-C50C-407E-A947-70E740481C1C}">
                 <a14:useLocalDpi xmlns:a14="http://schemas.microsoft.com/office/drawing/2010/main" val="0"/>
@@ -5998,13 +5893,7 @@
       </p:sp>
       <p:sp>
         <p:nvSpPr>
-          <p:cNvPr id="5" name="内容占位符 4">
-            <a:extLst>
-              <a:ext uri="{FF2B5EF4-FFF2-40B4-BE49-F238E27FC236}">
-                <a16:creationId xmlns:a16="http://schemas.microsoft.com/office/drawing/2014/main" id="{279C1287-50E0-4690-B044-6DF9A5E182B5}"/>
-              </a:ext>
-            </a:extLst>
-          </p:cNvPr>
+          <p:cNvPr id="5" name="内容占位符 4"/>
           <p:cNvSpPr>
             <a:spLocks noGrp="1"/>
           </p:cNvSpPr>
@@ -6052,6 +5941,7 @@
               <a:rPr lang="en-US" altLang="zh-CN" sz="2400" dirty="0"/>
               <a:t>		String name=null;</a:t>
             </a:r>
+            <a:endParaRPr lang="en-US" altLang="zh-CN" sz="2400" dirty="0"/>
           </a:p>
           <a:p>
             <a:pPr marL="0" indent="0">
@@ -6069,6 +5959,7 @@
               <a:rPr lang="en-US" altLang="zh-CN" sz="2400" dirty="0"/>
               <a:t>();</a:t>
             </a:r>
+            <a:endParaRPr lang="en-US" altLang="zh-CN" sz="2400" dirty="0"/>
           </a:p>
           <a:p>
             <a:pPr marL="0" indent="0">
@@ -6092,6 +5983,7 @@
               <a:rPr lang="en-US" altLang="zh-CN" sz="2400" dirty="0"/>
               <a:t>		Long age=null;</a:t>
             </a:r>
+            <a:endParaRPr lang="en-US" altLang="zh-CN" sz="2400" dirty="0"/>
           </a:p>
           <a:p>
             <a:pPr marL="0" indent="0">
@@ -6101,6 +5993,7 @@
               <a:rPr lang="en-US" altLang="zh-CN" sz="2400" dirty="0"/>
               <a:t>		age++;</a:t>
             </a:r>
+            <a:endParaRPr lang="en-US" altLang="zh-CN" sz="2400" dirty="0"/>
           </a:p>
           <a:p>
             <a:endParaRPr lang="zh-CN" altLang="en-US" sz="2400" dirty="0"/>
@@ -6134,13 +6027,7 @@
       </p:grpSpPr>
       <p:sp>
         <p:nvSpPr>
-          <p:cNvPr id="2" name="标题 1">
-            <a:extLst>
-              <a:ext uri="{FF2B5EF4-FFF2-40B4-BE49-F238E27FC236}">
-                <a16:creationId xmlns:a16="http://schemas.microsoft.com/office/drawing/2014/main" id="{C7C7CF3C-82AC-466D-B25F-85DB6D2F9676}"/>
-              </a:ext>
-            </a:extLst>
-          </p:cNvPr>
+          <p:cNvPr id="2" name="标题 1"/>
           <p:cNvSpPr>
             <a:spLocks noGrp="1"/>
           </p:cNvSpPr>
@@ -6163,13 +6050,7 @@
       </p:sp>
       <p:sp>
         <p:nvSpPr>
-          <p:cNvPr id="3" name="内容占位符 2">
-            <a:extLst>
-              <a:ext uri="{FF2B5EF4-FFF2-40B4-BE49-F238E27FC236}">
-                <a16:creationId xmlns:a16="http://schemas.microsoft.com/office/drawing/2014/main" id="{5B5FFC06-DC77-4E95-A53C-93152823A13A}"/>
-              </a:ext>
-            </a:extLst>
-          </p:cNvPr>
+          <p:cNvPr id="3" name="内容占位符 2"/>
           <p:cNvSpPr>
             <a:spLocks noGrp="1"/>
           </p:cNvSpPr>
@@ -6187,11 +6068,6 @@
         </p:txBody>
       </p:sp>
     </p:spTree>
-    <p:extLst>
-      <p:ext uri="{BB962C8B-B14F-4D97-AF65-F5344CB8AC3E}">
-        <p14:creationId xmlns:p14="http://schemas.microsoft.com/office/powerpoint/2010/main" val="1524899442"/>
-      </p:ext>
-    </p:extLst>
   </p:cSld>
   <p:clrMapOvr>
     <a:masterClrMapping/>
@@ -6239,6 +6115,7 @@
               <a:rPr lang="zh-CN" altLang="en-US"/>
               <a:t>表达式</a:t>
             </a:r>
+            <a:endParaRPr lang="zh-CN" altLang="en-US"/>
           </a:p>
         </p:txBody>
       </p:sp>
@@ -6253,7 +6130,7 @@
           </p:nvPr>
         </p:nvPicPr>
         <p:blipFill>
-          <a:blip r:embed="rId2"/>
+          <a:blip r:embed="rId1"/>
           <a:stretch>
             <a:fillRect/>
           </a:stretch>
@@ -6342,13 +6219,7 @@
       </p:grpSpPr>
       <p:sp>
         <p:nvSpPr>
-          <p:cNvPr id="2" name="标题 1">
-            <a:extLst>
-              <a:ext uri="{FF2B5EF4-FFF2-40B4-BE49-F238E27FC236}">
-                <a16:creationId xmlns:a16="http://schemas.microsoft.com/office/drawing/2014/main" id="{A4D09507-91DE-410B-8377-B22AFEB1CCC8}"/>
-              </a:ext>
-            </a:extLst>
-          </p:cNvPr>
+          <p:cNvPr id="2" name="标题 1"/>
           <p:cNvSpPr>
             <a:spLocks noGrp="1"/>
           </p:cNvSpPr>
@@ -6369,18 +6240,13 @@
               <a:rPr lang="zh-CN" altLang="en-US" dirty="0"/>
               <a:t>匿名内部类</a:t>
             </a:r>
-          </a:p>
-        </p:txBody>
-      </p:sp>
-      <p:sp>
-        <p:nvSpPr>
-          <p:cNvPr id="6" name="内容占位符 5">
-            <a:extLst>
-              <a:ext uri="{FF2B5EF4-FFF2-40B4-BE49-F238E27FC236}">
-                <a16:creationId xmlns:a16="http://schemas.microsoft.com/office/drawing/2014/main" id="{A6F76F00-C558-4478-BDD8-5BCC09B4A162}"/>
-              </a:ext>
-            </a:extLst>
-          </p:cNvPr>
+            <a:endParaRPr lang="zh-CN" altLang="en-US" dirty="0"/>
+          </a:p>
+        </p:txBody>
+      </p:sp>
+      <p:sp>
+        <p:nvSpPr>
+          <p:cNvPr id="6" name="内容占位符 5"/>
           <p:cNvSpPr>
             <a:spLocks noGrp="1"/>
           </p:cNvSpPr>
@@ -6416,25 +6282,20 @@
               <a:rPr lang="zh-CN" altLang="en-US" dirty="0"/>
               <a:t>添加一个按钮的绑定事件</a:t>
             </a:r>
+            <a:endParaRPr lang="zh-CN" altLang="en-US" dirty="0"/>
           </a:p>
         </p:txBody>
       </p:sp>
       <p:pic>
         <p:nvPicPr>
-          <p:cNvPr id="7" name="内容占位符 3">
-            <a:extLst>
-              <a:ext uri="{FF2B5EF4-FFF2-40B4-BE49-F238E27FC236}">
-                <a16:creationId xmlns:a16="http://schemas.microsoft.com/office/drawing/2014/main" id="{3DF489BC-9F5B-46ED-A53F-2EA8C34A8057}"/>
-              </a:ext>
-            </a:extLst>
-          </p:cNvPr>
+          <p:cNvPr id="7" name="内容占位符 3"/>
           <p:cNvPicPr>
             <a:picLocks noChangeAspect="1"/>
           </p:cNvPicPr>
           <p:nvPr/>
         </p:nvPicPr>
         <p:blipFill>
-          <a:blip r:embed="rId2"/>
+          <a:blip r:embed="rId1"/>
           <a:stretch>
             <a:fillRect/>
           </a:stretch>
@@ -6451,20 +6312,14 @@
       </p:pic>
       <p:pic>
         <p:nvPicPr>
-          <p:cNvPr id="8" name="图片 7">
-            <a:extLst>
-              <a:ext uri="{FF2B5EF4-FFF2-40B4-BE49-F238E27FC236}">
-                <a16:creationId xmlns:a16="http://schemas.microsoft.com/office/drawing/2014/main" id="{C2CD6260-4E64-4B9E-8258-8393ACE287C8}"/>
-              </a:ext>
-            </a:extLst>
-          </p:cNvPr>
+          <p:cNvPr id="8" name="图片 7"/>
           <p:cNvPicPr>
             <a:picLocks noChangeAspect="1"/>
           </p:cNvPicPr>
           <p:nvPr/>
         </p:nvPicPr>
         <p:blipFill>
-          <a:blip r:embed="rId3"/>
+          <a:blip r:embed="rId2"/>
           <a:stretch>
             <a:fillRect/>
           </a:stretch>
@@ -6481,13 +6336,7 @@
       </p:pic>
       <p:sp>
         <p:nvSpPr>
-          <p:cNvPr id="9" name="文本框 8">
-            <a:extLst>
-              <a:ext uri="{FF2B5EF4-FFF2-40B4-BE49-F238E27FC236}">
-                <a16:creationId xmlns:a16="http://schemas.microsoft.com/office/drawing/2014/main" id="{33E2F3A7-7CCB-4904-B7E5-2AC22343FBE0}"/>
-              </a:ext>
-            </a:extLst>
-          </p:cNvPr>
+          <p:cNvPr id="9" name="文本框 8"/>
           <p:cNvSpPr txBox="1"/>
           <p:nvPr/>
         </p:nvSpPr>
@@ -6511,18 +6360,13 @@
               <a:rPr lang="zh-CN" altLang="en-US" dirty="0"/>
               <a:t>实现接口</a:t>
             </a:r>
-          </a:p>
-        </p:txBody>
-      </p:sp>
-      <p:sp>
-        <p:nvSpPr>
-          <p:cNvPr id="11" name="文本框 10">
-            <a:extLst>
-              <a:ext uri="{FF2B5EF4-FFF2-40B4-BE49-F238E27FC236}">
-                <a16:creationId xmlns:a16="http://schemas.microsoft.com/office/drawing/2014/main" id="{25E2B5D4-0E60-4A56-A123-BCE97AA90532}"/>
-              </a:ext>
-            </a:extLst>
-          </p:cNvPr>
+            <a:endParaRPr lang="zh-CN" altLang="en-US" dirty="0"/>
+          </a:p>
+        </p:txBody>
+      </p:sp>
+      <p:sp>
+        <p:nvSpPr>
+          <p:cNvPr id="11" name="文本框 10"/>
           <p:cNvSpPr txBox="1"/>
           <p:nvPr/>
         </p:nvSpPr>
@@ -6546,18 +6390,13 @@
               <a:rPr lang="zh-CN" altLang="en-US" dirty="0"/>
               <a:t>继承父类</a:t>
             </a:r>
-          </a:p>
-        </p:txBody>
-      </p:sp>
-      <p:sp>
-        <p:nvSpPr>
-          <p:cNvPr id="12" name="Rectangle 1">
-            <a:extLst>
-              <a:ext uri="{FF2B5EF4-FFF2-40B4-BE49-F238E27FC236}">
-                <a16:creationId xmlns:a16="http://schemas.microsoft.com/office/drawing/2014/main" id="{E36762FD-64F2-4583-A85C-38C5F7767964}"/>
-              </a:ext>
-            </a:extLst>
-          </p:cNvPr>
+            <a:endParaRPr lang="zh-CN" altLang="en-US" dirty="0"/>
+          </a:p>
+        </p:txBody>
+      </p:sp>
+      <p:sp>
+        <p:nvSpPr>
+          <p:cNvPr id="12" name="Rectangle 1"/>
           <p:cNvSpPr>
             <a:spLocks noChangeArrowheads="1"/>
           </p:cNvSpPr>
@@ -6602,9 +6441,6 @@
         </p:spPr>
         <p:txBody>
           <a:bodyPr vert="horz" wrap="square" lIns="91440" tIns="45720" rIns="91440" bIns="45720" numCol="1" anchor="ctr" anchorCtr="0" compatLnSpc="1">
-            <a:prstTxWarp prst="textNoShape">
-              <a:avLst/>
-            </a:prstTxWarp>
             <a:spAutoFit/>
           </a:bodyPr>
           <a:lstStyle/>
@@ -6623,7 +6459,6 @@
               <a:buSzTx/>
               <a:buFontTx/>
               <a:buNone/>
-              <a:tabLst/>
             </a:pPr>
             <a:r>
               <a:rPr kumimoji="0" lang="zh-CN" altLang="zh-CN" sz="1100" b="0" i="0" u="none" strike="noStrike" cap="none" normalizeH="0" baseline="0" dirty="0">
@@ -7101,11 +6936,6 @@
         </p:txBody>
       </p:sp>
     </p:spTree>
-    <p:extLst>
-      <p:ext uri="{BB962C8B-B14F-4D97-AF65-F5344CB8AC3E}">
-        <p14:creationId xmlns:p14="http://schemas.microsoft.com/office/powerpoint/2010/main" val="911998085"/>
-      </p:ext>
-    </p:extLst>
   </p:cSld>
   <p:clrMapOvr>
     <a:masterClrMapping/>
@@ -7132,13 +6962,7 @@
       </p:grpSpPr>
       <p:sp>
         <p:nvSpPr>
-          <p:cNvPr id="2" name="标题 1">
-            <a:extLst>
-              <a:ext uri="{FF2B5EF4-FFF2-40B4-BE49-F238E27FC236}">
-                <a16:creationId xmlns:a16="http://schemas.microsoft.com/office/drawing/2014/main" id="{A4D09507-91DE-410B-8377-B22AFEB1CCC8}"/>
-              </a:ext>
-            </a:extLst>
-          </p:cNvPr>
+          <p:cNvPr id="2" name="标题 1"/>
           <p:cNvSpPr>
             <a:spLocks noGrp="1"/>
           </p:cNvSpPr>
@@ -7159,18 +6983,13 @@
               <a:rPr lang="zh-CN" altLang="en-US" dirty="0"/>
               <a:t>匿名内部类</a:t>
             </a:r>
-          </a:p>
-        </p:txBody>
-      </p:sp>
-      <p:sp>
-        <p:nvSpPr>
-          <p:cNvPr id="6" name="内容占位符 5">
-            <a:extLst>
-              <a:ext uri="{FF2B5EF4-FFF2-40B4-BE49-F238E27FC236}">
-                <a16:creationId xmlns:a16="http://schemas.microsoft.com/office/drawing/2014/main" id="{A6F76F00-C558-4478-BDD8-5BCC09B4A162}"/>
-              </a:ext>
-            </a:extLst>
-          </p:cNvPr>
+            <a:endParaRPr lang="zh-CN" altLang="en-US" dirty="0"/>
+          </a:p>
+        </p:txBody>
+      </p:sp>
+      <p:sp>
+        <p:nvSpPr>
+          <p:cNvPr id="6" name="内容占位符 5"/>
           <p:cNvSpPr>
             <a:spLocks noGrp="1"/>
           </p:cNvSpPr>
@@ -7207,6 +7026,7 @@
               <a:rPr lang="en-US" altLang="zh-CN" dirty="0"/>
               <a:t>comparator</a:t>
             </a:r>
+            <a:endParaRPr lang="en-US" altLang="zh-CN" dirty="0"/>
           </a:p>
           <a:p>
             <a:pPr marL="0" indent="0">
@@ -7224,20 +7044,14 @@
       </p:sp>
       <p:pic>
         <p:nvPicPr>
-          <p:cNvPr id="14" name="图片 13">
-            <a:extLst>
-              <a:ext uri="{FF2B5EF4-FFF2-40B4-BE49-F238E27FC236}">
-                <a16:creationId xmlns:a16="http://schemas.microsoft.com/office/drawing/2014/main" id="{0A0A2BC8-F902-4A2F-8165-EFDF189A4D8B}"/>
-              </a:ext>
-            </a:extLst>
-          </p:cNvPr>
+          <p:cNvPr id="14" name="图片 13"/>
           <p:cNvPicPr>
             <a:picLocks noChangeAspect="1"/>
           </p:cNvPicPr>
           <p:nvPr/>
         </p:nvPicPr>
         <p:blipFill>
-          <a:blip r:embed="rId2"/>
+          <a:blip r:embed="rId1"/>
           <a:stretch>
             <a:fillRect/>
           </a:stretch>
@@ -7254,13 +7068,7 @@
       </p:pic>
       <p:sp>
         <p:nvSpPr>
-          <p:cNvPr id="15" name="文本框 14">
-            <a:extLst>
-              <a:ext uri="{FF2B5EF4-FFF2-40B4-BE49-F238E27FC236}">
-                <a16:creationId xmlns:a16="http://schemas.microsoft.com/office/drawing/2014/main" id="{FB1E2418-3B57-4DEE-8D92-838229BC6B4D}"/>
-              </a:ext>
-            </a:extLst>
-          </p:cNvPr>
+          <p:cNvPr id="15" name="文本框 14"/>
           <p:cNvSpPr txBox="1"/>
           <p:nvPr/>
         </p:nvSpPr>
@@ -7307,15 +7115,11 @@
               <a:rPr lang="zh-CN" altLang="en-US" sz="2400" dirty="0"/>
               <a:t>类</a:t>
             </a:r>
+            <a:endParaRPr lang="zh-CN" altLang="en-US" sz="2400" dirty="0"/>
           </a:p>
         </p:txBody>
       </p:sp>
     </p:spTree>
-    <p:extLst>
-      <p:ext uri="{BB962C8B-B14F-4D97-AF65-F5344CB8AC3E}">
-        <p14:creationId xmlns:p14="http://schemas.microsoft.com/office/powerpoint/2010/main" val="2259905319"/>
-      </p:ext>
-    </p:extLst>
   </p:cSld>
   <p:clrMapOvr>
     <a:masterClrMapping/>
@@ -7342,13 +7146,7 @@
       </p:grpSpPr>
       <p:sp>
         <p:nvSpPr>
-          <p:cNvPr id="2" name="标题 1">
-            <a:extLst>
-              <a:ext uri="{FF2B5EF4-FFF2-40B4-BE49-F238E27FC236}">
-                <a16:creationId xmlns:a16="http://schemas.microsoft.com/office/drawing/2014/main" id="{A4D09507-91DE-410B-8377-B22AFEB1CCC8}"/>
-              </a:ext>
-            </a:extLst>
-          </p:cNvPr>
+          <p:cNvPr id="2" name="标题 1"/>
           <p:cNvSpPr>
             <a:spLocks noGrp="1"/>
           </p:cNvSpPr>
@@ -7369,18 +7167,13 @@
               <a:rPr lang="zh-CN" altLang="en-US" dirty="0"/>
               <a:t>的构成</a:t>
             </a:r>
-          </a:p>
-        </p:txBody>
-      </p:sp>
-      <p:sp>
-        <p:nvSpPr>
-          <p:cNvPr id="6" name="内容占位符 5">
-            <a:extLst>
-              <a:ext uri="{FF2B5EF4-FFF2-40B4-BE49-F238E27FC236}">
-                <a16:creationId xmlns:a16="http://schemas.microsoft.com/office/drawing/2014/main" id="{A6F76F00-C558-4478-BDD8-5BCC09B4A162}"/>
-              </a:ext>
-            </a:extLst>
-          </p:cNvPr>
+            <a:endParaRPr lang="zh-CN" altLang="en-US" dirty="0"/>
+          </a:p>
+        </p:txBody>
+      </p:sp>
+      <p:sp>
+        <p:nvSpPr>
+          <p:cNvPr id="6" name="内容占位符 5"/>
           <p:cNvSpPr>
             <a:spLocks noGrp="1"/>
           </p:cNvSpPr>
@@ -7447,6 +7240,7 @@
               <a:rPr lang="en-US" altLang="zh-CN" dirty="0"/>
               <a:t>	</a:t>
             </a:r>
+            <a:endParaRPr lang="en-US" altLang="zh-CN" dirty="0"/>
           </a:p>
           <a:p>
             <a:pPr marL="0" indent="0">
@@ -7476,20 +7270,14 @@
       </p:sp>
       <p:pic>
         <p:nvPicPr>
-          <p:cNvPr id="4" name="图片 3">
-            <a:extLst>
-              <a:ext uri="{FF2B5EF4-FFF2-40B4-BE49-F238E27FC236}">
-                <a16:creationId xmlns:a16="http://schemas.microsoft.com/office/drawing/2014/main" id="{30E702C7-AF7C-47E0-96DE-CCE432F361A1}"/>
-              </a:ext>
-            </a:extLst>
-          </p:cNvPr>
+          <p:cNvPr id="4" name="图片 3"/>
           <p:cNvPicPr>
             <a:picLocks noChangeAspect="1"/>
           </p:cNvPicPr>
           <p:nvPr/>
         </p:nvPicPr>
         <p:blipFill>
-          <a:blip r:embed="rId2"/>
+          <a:blip r:embed="rId1"/>
           <a:stretch>
             <a:fillRect/>
           </a:stretch>
@@ -7505,11 +7293,6 @@
         </p:spPr>
       </p:pic>
     </p:spTree>
-    <p:extLst>
-      <p:ext uri="{BB962C8B-B14F-4D97-AF65-F5344CB8AC3E}">
-        <p14:creationId xmlns:p14="http://schemas.microsoft.com/office/powerpoint/2010/main" val="4102220227"/>
-      </p:ext>
-    </p:extLst>
   </p:cSld>
   <p:clrMapOvr>
     <a:masterClrMapping/>
@@ -7536,13 +7319,7 @@
       </p:grpSpPr>
       <p:sp>
         <p:nvSpPr>
-          <p:cNvPr id="2" name="标题 1">
-            <a:extLst>
-              <a:ext uri="{FF2B5EF4-FFF2-40B4-BE49-F238E27FC236}">
-                <a16:creationId xmlns:a16="http://schemas.microsoft.com/office/drawing/2014/main" id="{A4D09507-91DE-410B-8377-B22AFEB1CCC8}"/>
-              </a:ext>
-            </a:extLst>
-          </p:cNvPr>
+          <p:cNvPr id="2" name="标题 1"/>
           <p:cNvSpPr>
             <a:spLocks noGrp="1"/>
           </p:cNvSpPr>
@@ -7563,18 +7340,13 @@
               <a:rPr lang="zh-CN" altLang="en-US" dirty="0"/>
               <a:t>参数列表</a:t>
             </a:r>
-          </a:p>
-        </p:txBody>
-      </p:sp>
-      <p:sp>
-        <p:nvSpPr>
-          <p:cNvPr id="6" name="内容占位符 5">
-            <a:extLst>
-              <a:ext uri="{FF2B5EF4-FFF2-40B4-BE49-F238E27FC236}">
-                <a16:creationId xmlns:a16="http://schemas.microsoft.com/office/drawing/2014/main" id="{A6F76F00-C558-4478-BDD8-5BCC09B4A162}"/>
-              </a:ext>
-            </a:extLst>
-          </p:cNvPr>
+            <a:endParaRPr lang="zh-CN" altLang="en-US" dirty="0"/>
+          </a:p>
+        </p:txBody>
+      </p:sp>
+      <p:sp>
+        <p:nvSpPr>
+          <p:cNvPr id="6" name="内容占位符 5"/>
           <p:cNvSpPr>
             <a:spLocks noGrp="1"/>
           </p:cNvSpPr>
@@ -7601,6 +7373,7 @@
               <a:rPr lang="en-US" altLang="zh-CN" dirty="0"/>
               <a:t>	</a:t>
             </a:r>
+            <a:endParaRPr lang="en-US" altLang="zh-CN" dirty="0"/>
           </a:p>
           <a:p>
             <a:pPr marL="0" indent="0">
@@ -7658,6 +7431,7 @@
               <a:rPr lang="en-US" altLang="zh-CN" dirty="0"/>
               <a:t>	</a:t>
             </a:r>
+            <a:endParaRPr lang="en-US" altLang="zh-CN" dirty="0"/>
           </a:p>
           <a:p>
             <a:pPr marL="0" indent="0">
@@ -7681,20 +7455,14 @@
       </p:sp>
       <p:pic>
         <p:nvPicPr>
-          <p:cNvPr id="5" name="图片 4">
-            <a:extLst>
-              <a:ext uri="{FF2B5EF4-FFF2-40B4-BE49-F238E27FC236}">
-                <a16:creationId xmlns:a16="http://schemas.microsoft.com/office/drawing/2014/main" id="{1F7D0C25-7A6C-4936-8E5F-EEC1CA71014D}"/>
-              </a:ext>
-            </a:extLst>
-          </p:cNvPr>
+          <p:cNvPr id="5" name="图片 4"/>
           <p:cNvPicPr>
             <a:picLocks noChangeAspect="1"/>
           </p:cNvPicPr>
           <p:nvPr/>
         </p:nvPicPr>
         <p:blipFill>
-          <a:blip r:embed="rId2"/>
+          <a:blip r:embed="rId1"/>
           <a:stretch>
             <a:fillRect/>
           </a:stretch>
@@ -7711,20 +7479,14 @@
       </p:pic>
       <p:pic>
         <p:nvPicPr>
-          <p:cNvPr id="7" name="图片 6">
-            <a:extLst>
-              <a:ext uri="{FF2B5EF4-FFF2-40B4-BE49-F238E27FC236}">
-                <a16:creationId xmlns:a16="http://schemas.microsoft.com/office/drawing/2014/main" id="{7B0E90B5-73B3-4D21-ACE3-0B2048F06EC5}"/>
-              </a:ext>
-            </a:extLst>
-          </p:cNvPr>
+          <p:cNvPr id="7" name="图片 6"/>
           <p:cNvPicPr>
             <a:picLocks noChangeAspect="1"/>
           </p:cNvPicPr>
           <p:nvPr/>
         </p:nvPicPr>
         <p:blipFill>
-          <a:blip r:embed="rId3"/>
+          <a:blip r:embed="rId2"/>
           <a:stretch>
             <a:fillRect/>
           </a:stretch>
@@ -7741,20 +7503,14 @@
       </p:pic>
       <p:pic>
         <p:nvPicPr>
-          <p:cNvPr id="9" name="图片 8">
-            <a:extLst>
-              <a:ext uri="{FF2B5EF4-FFF2-40B4-BE49-F238E27FC236}">
-                <a16:creationId xmlns:a16="http://schemas.microsoft.com/office/drawing/2014/main" id="{177B7759-B9C8-4657-B9D9-56629DD3702E}"/>
-              </a:ext>
-            </a:extLst>
-          </p:cNvPr>
+          <p:cNvPr id="9" name="图片 8"/>
           <p:cNvPicPr>
             <a:picLocks noChangeAspect="1"/>
           </p:cNvPicPr>
           <p:nvPr/>
         </p:nvPicPr>
         <p:blipFill>
-          <a:blip r:embed="rId4"/>
+          <a:blip r:embed="rId3"/>
           <a:stretch>
             <a:fillRect/>
           </a:stretch>
@@ -7770,11 +7526,6 @@
         </p:spPr>
       </p:pic>
     </p:spTree>
-    <p:extLst>
-      <p:ext uri="{BB962C8B-B14F-4D97-AF65-F5344CB8AC3E}">
-        <p14:creationId xmlns:p14="http://schemas.microsoft.com/office/powerpoint/2010/main" val="2834484379"/>
-      </p:ext>
-    </p:extLst>
   </p:cSld>
   <p:clrMapOvr>
     <a:masterClrMapping/>
@@ -7801,13 +7552,7 @@
       </p:grpSpPr>
       <p:sp>
         <p:nvSpPr>
-          <p:cNvPr id="2" name="标题 1">
-            <a:extLst>
-              <a:ext uri="{FF2B5EF4-FFF2-40B4-BE49-F238E27FC236}">
-                <a16:creationId xmlns:a16="http://schemas.microsoft.com/office/drawing/2014/main" id="{A4D09507-91DE-410B-8377-B22AFEB1CCC8}"/>
-              </a:ext>
-            </a:extLst>
-          </p:cNvPr>
+          <p:cNvPr id="2" name="标题 1"/>
           <p:cNvSpPr>
             <a:spLocks noGrp="1"/>
           </p:cNvSpPr>
@@ -7828,25 +7573,20 @@
               <a:rPr lang="zh-CN" altLang="en-US" dirty="0"/>
               <a:t>函数体</a:t>
             </a:r>
+            <a:endParaRPr lang="zh-CN" altLang="en-US" dirty="0"/>
           </a:p>
         </p:txBody>
       </p:sp>
       <p:pic>
         <p:nvPicPr>
-          <p:cNvPr id="8" name="图片 7">
-            <a:extLst>
-              <a:ext uri="{FF2B5EF4-FFF2-40B4-BE49-F238E27FC236}">
-                <a16:creationId xmlns:a16="http://schemas.microsoft.com/office/drawing/2014/main" id="{BD80657A-89AC-426D-86A8-84DFF1527C40}"/>
-              </a:ext>
-            </a:extLst>
-          </p:cNvPr>
+          <p:cNvPr id="8" name="图片 7"/>
           <p:cNvPicPr>
             <a:picLocks noChangeAspect="1"/>
           </p:cNvPicPr>
           <p:nvPr/>
         </p:nvPicPr>
         <p:blipFill>
-          <a:blip r:embed="rId2"/>
+          <a:blip r:embed="rId1"/>
           <a:stretch>
             <a:fillRect/>
           </a:stretch>
@@ -7863,13 +7603,7 @@
       </p:pic>
       <p:sp>
         <p:nvSpPr>
-          <p:cNvPr id="10" name="文本框 9">
-            <a:extLst>
-              <a:ext uri="{FF2B5EF4-FFF2-40B4-BE49-F238E27FC236}">
-                <a16:creationId xmlns:a16="http://schemas.microsoft.com/office/drawing/2014/main" id="{42AF20AD-00A3-47DE-BCA4-51D628482B3C}"/>
-              </a:ext>
-            </a:extLst>
-          </p:cNvPr>
+          <p:cNvPr id="10" name="文本框 9"/>
           <p:cNvSpPr txBox="1"/>
           <p:nvPr/>
         </p:nvSpPr>
@@ -7920,15 +7654,11 @@
               <a:rPr lang="zh-CN" altLang="en-US" sz="2400" dirty="0"/>
               <a:t>多条语句需要大括号</a:t>
             </a:r>
+            <a:endParaRPr lang="zh-CN" altLang="en-US" sz="2400" dirty="0"/>
           </a:p>
         </p:txBody>
       </p:sp>
     </p:spTree>
-    <p:extLst>
-      <p:ext uri="{BB962C8B-B14F-4D97-AF65-F5344CB8AC3E}">
-        <p14:creationId xmlns:p14="http://schemas.microsoft.com/office/powerpoint/2010/main" val="3025233585"/>
-      </p:ext>
-    </p:extLst>
   </p:cSld>
   <p:clrMapOvr>
     <a:masterClrMapping/>
@@ -7985,6 +7715,7 @@
               <a:rPr lang="en-US" altLang="zh-CN" dirty="0"/>
               <a:t>Stream</a:t>
             </a:r>
+            <a:endParaRPr lang="en-US" altLang="zh-CN" dirty="0"/>
           </a:p>
         </p:txBody>
       </p:sp>
@@ -8016,7 +7747,7 @@
             </a:r>
             <a:r>
               <a:rPr lang="en-US" altLang="zh-CN" sz="2000" dirty="0">
-                <a:hlinkClick r:id="rId2"/>
+                <a:hlinkClick r:id="rId1"/>
               </a:rPr>
               <a:t>https://www.ibm.com/developerworks/cn/java/j-lo-java8streamapi/index.html</a:t>
             </a:r>
@@ -8114,20 +7845,14 @@
       </p:sp>
       <p:pic>
         <p:nvPicPr>
-          <p:cNvPr id="5" name="图片 4">
-            <a:extLst>
-              <a:ext uri="{FF2B5EF4-FFF2-40B4-BE49-F238E27FC236}">
-                <a16:creationId xmlns:a16="http://schemas.microsoft.com/office/drawing/2014/main" id="{4A68EC7D-28DC-41DF-ACC7-6B468B19F20B}"/>
-              </a:ext>
-            </a:extLst>
-          </p:cNvPr>
+          <p:cNvPr id="5" name="图片 4"/>
           <p:cNvPicPr>
             <a:picLocks noChangeAspect="1"/>
           </p:cNvPicPr>
           <p:nvPr/>
         </p:nvPicPr>
         <p:blipFill>
-          <a:blip r:embed="rId3">
+          <a:blip r:embed="rId2">
             <a:extLst>
               <a:ext uri="{28A0092B-C50C-407E-A947-70E740481C1C}">
                 <a14:useLocalDpi xmlns:a14="http://schemas.microsoft.com/office/drawing/2010/main" val="0"/>
@@ -8159,11 +7884,6 @@
         </p:spPr>
       </p:pic>
     </p:spTree>
-    <p:extLst>
-      <p:ext uri="{BB962C8B-B14F-4D97-AF65-F5344CB8AC3E}">
-        <p14:creationId xmlns:p14="http://schemas.microsoft.com/office/powerpoint/2010/main" val="3262190156"/>
-      </p:ext>
-    </p:extLst>
   </p:cSld>
   <p:clrMapOvr>
     <a:masterClrMapping/>
@@ -8422,8 +8142,6 @@
       </a:bgFillStyleLst>
     </a:fmtScheme>
   </a:themeElements>
-  <a:objectDefaults/>
-  <a:extraClrSchemeLst/>
   <a:extLst>
     <a:ext uri="{05A4C25C-085E-4340-85A3-A5531E510DB2}">
       <thm15:themeFamily xmlns:thm15="http://schemas.microsoft.com/office/thememl/2012/main" name="Office Theme" id="{62F939B6-93AF-4DB8-9C6B-D6C7DFDC589F}" vid="{4A3C46E8-61CC-4603-A589-7422A47A8E4A}"/>
